--- a/作业说明.pptx
+++ b/作业说明.pptx
@@ -5,22 +5,22 @@
     <p:sldMasterId id="2147483648" r:id="rId1"/>
   </p:sldMasterIdLst>
   <p:notesMasterIdLst>
-    <p:notesMasterId r:id="rId4"/>
+    <p:notesMasterId r:id="rId7"/>
   </p:notesMasterIdLst>
   <p:handoutMasterIdLst>
-    <p:handoutMasterId r:id="rId9"/>
+    <p:handoutMasterId r:id="rId8"/>
   </p:handoutMasterIdLst>
   <p:sldIdLst>
-    <p:sldId id="261" r:id="rId3"/>
-    <p:sldId id="257" r:id="rId5"/>
-    <p:sldId id="258" r:id="rId6"/>
-    <p:sldId id="259" r:id="rId7"/>
-    <p:sldId id="260" r:id="rId8"/>
+    <p:sldId id="261" r:id="rId2"/>
+    <p:sldId id="257" r:id="rId3"/>
+    <p:sldId id="258" r:id="rId4"/>
+    <p:sldId id="259" r:id="rId5"/>
+    <p:sldId id="260" r:id="rId6"/>
   </p:sldIdLst>
   <p:sldSz cx="12192000" cy="6858000"/>
-  <p:notesSz cx="7103745" cy="10234295"/>
+  <p:notesSz cx="7104063" cy="10234613"/>
   <p:custDataLst>
-    <p:tags r:id="rId13"/>
+    <p:tags r:id="rId9"/>
   </p:custDataLst>
   <p:defaultTextStyle>
     <a:defPPr>
@@ -218,6 +218,7 @@
           <a:p>
             <a:fld id="{0F9B84EA-7D68-4D60-9CB1-D50884785D1C}" type="datetimeFigureOut">
               <a:rPr lang="zh-CN" altLang="en-US" smtClean="0"/>
+              <a:t>2024/10/21</a:t>
             </a:fld>
             <a:endParaRPr lang="zh-CN" altLang="en-US"/>
           </a:p>
@@ -283,12 +284,18 @@
           <a:p>
             <a:fld id="{8D4E0FC9-F1F8-4FAE-9988-3BA365CFD46F}" type="slidenum">
               <a:rPr lang="zh-CN" altLang="en-US" smtClean="0"/>
+              <a:t>‹#›</a:t>
             </a:fld>
             <a:endParaRPr lang="zh-CN" altLang="en-US"/>
           </a:p>
         </p:txBody>
       </p:sp>
     </p:spTree>
+    <p:extLst>
+      <p:ext uri="{BB962C8B-B14F-4D97-AF65-F5344CB8AC3E}">
+        <p14:creationId xmlns:p14="http://schemas.microsoft.com/office/powerpoint/2010/main" val="1"/>
+      </p:ext>
+    </p:extLst>
   </p:cSld>
   <p:clrMap bg1="lt1" tx1="dk1" bg2="lt2" tx2="dk2" accent1="accent1" accent2="accent2" accent3="accent3" accent4="accent4" accent5="accent5" accent6="accent6" hlink="hlink" folHlink="folHlink"/>
 </p:handoutMaster>
@@ -376,6 +383,7 @@
           <a:p>
             <a:fld id="{D6C8D182-E4C8-4120-9249-FC9774456FFA}" type="datetimeFigureOut">
               <a:rPr lang="zh-CN" altLang="en-US" smtClean="0"/>
+              <a:t>2024/10/21</a:t>
             </a:fld>
             <a:endParaRPr lang="zh-CN" altLang="en-US"/>
           </a:p>
@@ -442,7 +450,6 @@
               <a:rPr lang="zh-CN" altLang="en-US"/>
               <a:t>编辑母版文本样式</a:t>
             </a:r>
-            <a:endParaRPr lang="zh-CN" altLang="en-US"/>
           </a:p>
           <a:p>
             <a:pPr lvl="1"/>
@@ -450,7 +457,6 @@
               <a:rPr lang="zh-CN" altLang="en-US"/>
               <a:t>第二级</a:t>
             </a:r>
-            <a:endParaRPr lang="zh-CN" altLang="en-US"/>
           </a:p>
           <a:p>
             <a:pPr lvl="2"/>
@@ -458,7 +464,6 @@
               <a:rPr lang="zh-CN" altLang="en-US"/>
               <a:t>第三级</a:t>
             </a:r>
-            <a:endParaRPr lang="zh-CN" altLang="en-US"/>
           </a:p>
           <a:p>
             <a:pPr lvl="3"/>
@@ -466,7 +471,6 @@
               <a:rPr lang="zh-CN" altLang="en-US"/>
               <a:t>第四级</a:t>
             </a:r>
-            <a:endParaRPr lang="zh-CN" altLang="en-US"/>
           </a:p>
           <a:p>
             <a:pPr lvl="4"/>
@@ -474,7 +478,6 @@
               <a:rPr lang="zh-CN" altLang="en-US"/>
               <a:t>第五级</a:t>
             </a:r>
-            <a:endParaRPr lang="zh-CN" altLang="en-US"/>
           </a:p>
         </p:txBody>
       </p:sp>
@@ -538,6 +541,7 @@
           <a:p>
             <a:fld id="{85D0DACE-38E0-42D2-9336-2B707D34BC6D}" type="slidenum">
               <a:rPr lang="zh-CN" altLang="en-US" smtClean="0"/>
+              <a:t>‹#›</a:t>
             </a:fld>
             <a:endParaRPr lang="zh-CN" altLang="en-US"/>
           </a:p>
@@ -685,7 +689,7 @@
           <a:bodyPr/>
           <a:lstStyle/>
           <a:p>
-            <a:endParaRPr kumimoji="1" lang="zh-CN" altLang="en-US"/>
+            <a:endParaRPr kumimoji="1" lang="zh-CN" altLang="en-US" dirty="0"/>
           </a:p>
         </p:txBody>
       </p:sp>
@@ -706,6 +710,7 @@
           <a:p>
             <a:fld id="{85D0DACE-38E0-42D2-9336-2B707D34BC6D}" type="slidenum">
               <a:rPr lang="zh-CN" altLang="en-US" smtClean="0"/>
+              <a:t>1</a:t>
             </a:fld>
             <a:endParaRPr lang="zh-CN" altLang="en-US"/>
           </a:p>
@@ -784,6 +789,7 @@
           <a:p>
             <a:fld id="{85D0DACE-38E0-42D2-9336-2B707D34BC6D}" type="slidenum">
               <a:rPr lang="zh-CN" altLang="en-US" smtClean="0"/>
+              <a:t>2</a:t>
             </a:fld>
             <a:endParaRPr lang="zh-CN" altLang="en-US"/>
           </a:p>
@@ -862,6 +868,7 @@
           <a:p>
             <a:fld id="{85D0DACE-38E0-42D2-9336-2B707D34BC6D}" type="slidenum">
               <a:rPr lang="zh-CN" altLang="en-US" smtClean="0"/>
+              <a:t>3</a:t>
             </a:fld>
             <a:endParaRPr lang="zh-CN" altLang="en-US"/>
           </a:p>
@@ -940,6 +947,7 @@
           <a:p>
             <a:fld id="{85D0DACE-38E0-42D2-9336-2B707D34BC6D}" type="slidenum">
               <a:rPr lang="zh-CN" altLang="en-US" smtClean="0"/>
+              <a:t>4</a:t>
             </a:fld>
             <a:endParaRPr lang="zh-CN" altLang="en-US"/>
           </a:p>
@@ -1018,6 +1026,7 @@
           <a:p>
             <a:fld id="{85D0DACE-38E0-42D2-9336-2B707D34BC6D}" type="slidenum">
               <a:rPr lang="zh-CN" altLang="en-US" smtClean="0"/>
+              <a:t>5</a:t>
             </a:fld>
             <a:endParaRPr lang="zh-CN" altLang="en-US"/>
           </a:p>
@@ -1083,7 +1092,6 @@
               <a:rPr lang="zh-CN" altLang="en-US" dirty="0"/>
               <a:t>单击此处添加标题</a:t>
             </a:r>
-            <a:endParaRPr lang="zh-CN" altLang="en-US" dirty="0"/>
           </a:p>
         </p:txBody>
       </p:sp>
@@ -1104,6 +1112,7 @@
           <a:p>
             <a:fld id="{760FBDFE-C587-4B4C-A407-44438C67B59E}" type="datetimeFigureOut">
               <a:rPr lang="zh-CN" altLang="en-US" smtClean="0"/>
+              <a:t>2024/10/21</a:t>
             </a:fld>
             <a:endParaRPr lang="zh-CN" altLang="en-US"/>
           </a:p>
@@ -1145,6 +1154,7 @@
           <a:p>
             <a:fld id="{49AE70B2-8BF9-45C0-BB95-33D1B9D3A854}" type="slidenum">
               <a:rPr lang="zh-CN" altLang="en-US" smtClean="0"/>
+              <a:t>‹#›</a:t>
             </a:fld>
             <a:endParaRPr lang="zh-CN" altLang="en-US"/>
           </a:p>
@@ -1223,7 +1233,6 @@
               <a:rPr lang="zh-CN" altLang="en-US" dirty="0"/>
               <a:t>单击此处添加副标题</a:t>
             </a:r>
-            <a:endParaRPr lang="zh-CN" altLang="en-US" dirty="0"/>
           </a:p>
         </p:txBody>
       </p:sp>
@@ -1269,6 +1278,7 @@
           <a:p>
             <a:fld id="{760FBDFE-C587-4B4C-A407-44438C67B59E}" type="datetimeFigureOut">
               <a:rPr lang="zh-CN" altLang="en-US" smtClean="0"/>
+              <a:t>2024/10/21</a:t>
             </a:fld>
             <a:endParaRPr lang="zh-CN" altLang="en-US"/>
           </a:p>
@@ -1310,6 +1320,7 @@
           <a:p>
             <a:fld id="{49AE70B2-8BF9-45C0-BB95-33D1B9D3A854}" type="slidenum">
               <a:rPr lang="zh-CN" altLang="en-US" smtClean="0"/>
+              <a:t>‹#›</a:t>
             </a:fld>
             <a:endParaRPr lang="zh-CN" altLang="en-US"/>
           </a:p>
@@ -1340,7 +1351,6 @@
               <a:rPr lang="zh-CN" altLang="en-US" dirty="0"/>
               <a:t>单击此处编辑母版文本样式</a:t>
             </a:r>
-            <a:endParaRPr lang="zh-CN" altLang="en-US" dirty="0"/>
           </a:p>
           <a:p>
             <a:pPr lvl="1"/>
@@ -1348,7 +1358,6 @@
               <a:rPr lang="zh-CN" altLang="en-US" dirty="0"/>
               <a:t>第二级</a:t>
             </a:r>
-            <a:endParaRPr lang="zh-CN" altLang="en-US" dirty="0"/>
           </a:p>
           <a:p>
             <a:pPr lvl="2"/>
@@ -1356,7 +1365,6 @@
               <a:rPr lang="zh-CN" altLang="en-US" dirty="0"/>
               <a:t>第三级</a:t>
             </a:r>
-            <a:endParaRPr lang="zh-CN" altLang="en-US" dirty="0"/>
           </a:p>
           <a:p>
             <a:pPr lvl="3"/>
@@ -1364,7 +1372,6 @@
               <a:rPr lang="zh-CN" altLang="en-US" dirty="0"/>
               <a:t>第四级</a:t>
             </a:r>
-            <a:endParaRPr lang="zh-CN" altLang="en-US" dirty="0"/>
           </a:p>
           <a:p>
             <a:pPr lvl="4"/>
@@ -1372,7 +1379,6 @@
               <a:rPr lang="zh-CN" altLang="en-US" dirty="0"/>
               <a:t>第五级</a:t>
             </a:r>
-            <a:endParaRPr lang="zh-CN" altLang="en-US" dirty="0"/>
           </a:p>
         </p:txBody>
       </p:sp>
@@ -1433,7 +1439,6 @@
               <a:rPr lang="zh-CN" altLang="en-US" dirty="0"/>
               <a:t>单击此处编辑母版标题样式</a:t>
             </a:r>
-            <a:endParaRPr lang="zh-CN" altLang="en-US" dirty="0"/>
           </a:p>
         </p:txBody>
       </p:sp>
@@ -1515,7 +1520,6 @@
               <a:rPr lang="zh-CN" altLang="en-US" dirty="0"/>
               <a:t>单击此处编辑母版文本样式</a:t>
             </a:r>
-            <a:endParaRPr lang="zh-CN" altLang="en-US" dirty="0"/>
           </a:p>
           <a:p>
             <a:pPr lvl="1"/>
@@ -1523,7 +1527,6 @@
               <a:rPr lang="zh-CN" altLang="en-US" dirty="0"/>
               <a:t>第二级</a:t>
             </a:r>
-            <a:endParaRPr lang="zh-CN" altLang="en-US" dirty="0"/>
           </a:p>
           <a:p>
             <a:pPr lvl="2"/>
@@ -1531,7 +1534,6 @@
               <a:rPr lang="zh-CN" altLang="en-US" dirty="0"/>
               <a:t>第三级</a:t>
             </a:r>
-            <a:endParaRPr lang="zh-CN" altLang="en-US" dirty="0"/>
           </a:p>
           <a:p>
             <a:pPr lvl="3"/>
@@ -1539,7 +1541,6 @@
               <a:rPr lang="zh-CN" altLang="en-US" dirty="0"/>
               <a:t>第四级</a:t>
             </a:r>
-            <a:endParaRPr lang="zh-CN" altLang="en-US" dirty="0"/>
           </a:p>
           <a:p>
             <a:pPr lvl="4"/>
@@ -1547,7 +1548,6 @@
               <a:rPr lang="zh-CN" altLang="en-US" dirty="0"/>
               <a:t>第五级</a:t>
             </a:r>
-            <a:endParaRPr lang="zh-CN" altLang="en-US" dirty="0"/>
           </a:p>
         </p:txBody>
       </p:sp>
@@ -1568,6 +1568,7 @@
           <a:p>
             <a:fld id="{760FBDFE-C587-4B4C-A407-44438C67B59E}" type="datetimeFigureOut">
               <a:rPr lang="zh-CN" altLang="en-US" smtClean="0"/>
+              <a:t>2024/10/21</a:t>
             </a:fld>
             <a:endParaRPr lang="zh-CN" altLang="en-US"/>
           </a:p>
@@ -1609,6 +1610,7 @@
           <a:p>
             <a:fld id="{49AE70B2-8BF9-45C0-BB95-33D1B9D3A854}" type="slidenum">
               <a:rPr lang="zh-CN" altLang="en-US" smtClean="0"/>
+              <a:t>‹#›</a:t>
             </a:fld>
             <a:endParaRPr lang="zh-CN" altLang="en-US"/>
           </a:p>
@@ -1671,7 +1673,6 @@
               <a:rPr lang="zh-CN" altLang="en-US" dirty="0"/>
               <a:t>单击此处编辑母版标题样式</a:t>
             </a:r>
-            <a:endParaRPr lang="zh-CN" altLang="en-US" dirty="0"/>
           </a:p>
         </p:txBody>
       </p:sp>
@@ -1791,7 +1792,6 @@
               <a:rPr lang="zh-CN" altLang="en-US" dirty="0"/>
               <a:t>单击此处编辑母版文本样式</a:t>
             </a:r>
-            <a:endParaRPr lang="zh-CN" altLang="en-US" dirty="0"/>
           </a:p>
         </p:txBody>
       </p:sp>
@@ -1812,6 +1812,7 @@
           <a:p>
             <a:fld id="{760FBDFE-C587-4B4C-A407-44438C67B59E}" type="datetimeFigureOut">
               <a:rPr lang="zh-CN" altLang="en-US" smtClean="0"/>
+              <a:t>2024/10/21</a:t>
             </a:fld>
             <a:endParaRPr lang="zh-CN" altLang="en-US"/>
           </a:p>
@@ -1853,6 +1854,7 @@
           <a:p>
             <a:fld id="{49AE70B2-8BF9-45C0-BB95-33D1B9D3A854}" type="slidenum">
               <a:rPr lang="zh-CN" altLang="en-US" smtClean="0"/>
+              <a:t>‹#›</a:t>
             </a:fld>
             <a:endParaRPr lang="zh-CN" altLang="en-US"/>
           </a:p>
@@ -1915,7 +1917,6 @@
               <a:rPr lang="zh-CN" altLang="en-US" dirty="0"/>
               <a:t>单击此处编辑母版标题样式</a:t>
             </a:r>
-            <a:endParaRPr lang="zh-CN" altLang="en-US" dirty="0"/>
           </a:p>
         </p:txBody>
       </p:sp>
@@ -2012,7 +2013,6 @@
               <a:rPr lang="zh-CN" altLang="en-US" dirty="0"/>
               <a:t>单击此处编辑母版文本样式</a:t>
             </a:r>
-            <a:endParaRPr lang="zh-CN" altLang="en-US" dirty="0"/>
           </a:p>
           <a:p>
             <a:pPr lvl="1"/>
@@ -2020,7 +2020,6 @@
               <a:rPr lang="zh-CN" altLang="en-US" dirty="0"/>
               <a:t>第二级</a:t>
             </a:r>
-            <a:endParaRPr lang="zh-CN" altLang="en-US" dirty="0"/>
           </a:p>
           <a:p>
             <a:pPr lvl="2"/>
@@ -2028,7 +2027,6 @@
               <a:rPr lang="zh-CN" altLang="en-US" dirty="0"/>
               <a:t>第三级</a:t>
             </a:r>
-            <a:endParaRPr lang="zh-CN" altLang="en-US" dirty="0"/>
           </a:p>
           <a:p>
             <a:pPr lvl="3"/>
@@ -2036,7 +2034,6 @@
               <a:rPr lang="zh-CN" altLang="en-US" dirty="0"/>
               <a:t>第四级</a:t>
             </a:r>
-            <a:endParaRPr lang="zh-CN" altLang="en-US" dirty="0"/>
           </a:p>
           <a:p>
             <a:pPr lvl="4"/>
@@ -2044,7 +2041,6 @@
               <a:rPr lang="zh-CN" altLang="en-US" dirty="0"/>
               <a:t>第五级</a:t>
             </a:r>
-            <a:endParaRPr lang="zh-CN" altLang="en-US" dirty="0"/>
           </a:p>
         </p:txBody>
       </p:sp>
@@ -2141,7 +2137,6 @@
               <a:rPr lang="zh-CN" altLang="en-US" dirty="0"/>
               <a:t>单击此处编辑母版文本样式</a:t>
             </a:r>
-            <a:endParaRPr lang="zh-CN" altLang="en-US" dirty="0"/>
           </a:p>
           <a:p>
             <a:pPr lvl="1"/>
@@ -2149,7 +2144,6 @@
               <a:rPr lang="zh-CN" altLang="en-US" dirty="0"/>
               <a:t>第二级</a:t>
             </a:r>
-            <a:endParaRPr lang="zh-CN" altLang="en-US" dirty="0"/>
           </a:p>
           <a:p>
             <a:pPr lvl="2"/>
@@ -2157,7 +2151,6 @@
               <a:rPr lang="zh-CN" altLang="en-US" dirty="0"/>
               <a:t>第三级</a:t>
             </a:r>
-            <a:endParaRPr lang="zh-CN" altLang="en-US" dirty="0"/>
           </a:p>
           <a:p>
             <a:pPr lvl="3"/>
@@ -2165,7 +2158,6 @@
               <a:rPr lang="zh-CN" altLang="en-US" dirty="0"/>
               <a:t>第四级</a:t>
             </a:r>
-            <a:endParaRPr lang="zh-CN" altLang="en-US" dirty="0"/>
           </a:p>
           <a:p>
             <a:pPr lvl="4"/>
@@ -2173,7 +2165,6 @@
               <a:rPr lang="zh-CN" altLang="en-US" dirty="0"/>
               <a:t>第五级</a:t>
             </a:r>
-            <a:endParaRPr lang="zh-CN" altLang="en-US" dirty="0"/>
           </a:p>
         </p:txBody>
       </p:sp>
@@ -2194,6 +2185,7 @@
           <a:p>
             <a:fld id="{760FBDFE-C587-4B4C-A407-44438C67B59E}" type="datetimeFigureOut">
               <a:rPr lang="zh-CN" altLang="en-US" smtClean="0"/>
+              <a:t>2024/10/21</a:t>
             </a:fld>
             <a:endParaRPr lang="zh-CN" altLang="en-US"/>
           </a:p>
@@ -2235,6 +2227,7 @@
           <a:p>
             <a:fld id="{49AE70B2-8BF9-45C0-BB95-33D1B9D3A854}" type="slidenum">
               <a:rPr lang="zh-CN" altLang="en-US" smtClean="0"/>
+              <a:t>‹#›</a:t>
             </a:fld>
             <a:endParaRPr lang="zh-CN" altLang="en-US"/>
           </a:p>
@@ -2289,7 +2282,6 @@
               <a:rPr lang="zh-CN" altLang="en-US" dirty="0"/>
               <a:t>单击此处编辑母版标题样式</a:t>
             </a:r>
-            <a:endParaRPr lang="zh-CN" altLang="en-US" dirty="0"/>
           </a:p>
         </p:txBody>
       </p:sp>
@@ -2357,7 +2349,6 @@
               <a:rPr lang="zh-CN" altLang="en-US" dirty="0"/>
               <a:t>单击此处编辑母版文本样式</a:t>
             </a:r>
-            <a:endParaRPr lang="zh-CN" altLang="en-US" dirty="0"/>
           </a:p>
         </p:txBody>
       </p:sp>
@@ -2386,7 +2377,6 @@
               <a:rPr lang="zh-CN" altLang="en-US" dirty="0"/>
               <a:t>单击此处编辑母版文本样式</a:t>
             </a:r>
-            <a:endParaRPr lang="zh-CN" altLang="en-US" dirty="0"/>
           </a:p>
           <a:p>
             <a:pPr lvl="1"/>
@@ -2394,7 +2384,6 @@
               <a:rPr lang="zh-CN" altLang="en-US" dirty="0"/>
               <a:t>第二级</a:t>
             </a:r>
-            <a:endParaRPr lang="zh-CN" altLang="en-US" dirty="0"/>
           </a:p>
           <a:p>
             <a:pPr lvl="2"/>
@@ -2402,7 +2391,6 @@
               <a:rPr lang="zh-CN" altLang="en-US" dirty="0"/>
               <a:t>第三级</a:t>
             </a:r>
-            <a:endParaRPr lang="zh-CN" altLang="en-US" dirty="0"/>
           </a:p>
           <a:p>
             <a:pPr lvl="3"/>
@@ -2410,7 +2398,6 @@
               <a:rPr lang="zh-CN" altLang="en-US" dirty="0"/>
               <a:t>第四级</a:t>
             </a:r>
-            <a:endParaRPr lang="zh-CN" altLang="en-US" dirty="0"/>
           </a:p>
           <a:p>
             <a:pPr lvl="4"/>
@@ -2418,7 +2405,6 @@
               <a:rPr lang="zh-CN" altLang="en-US" dirty="0"/>
               <a:t>第五级</a:t>
             </a:r>
-            <a:endParaRPr lang="zh-CN" altLang="en-US" dirty="0"/>
           </a:p>
         </p:txBody>
       </p:sp>
@@ -2486,7 +2472,6 @@
               <a:rPr lang="zh-CN" altLang="en-US" dirty="0"/>
               <a:t>单击此处编辑母版文本样式</a:t>
             </a:r>
-            <a:endParaRPr lang="zh-CN" altLang="en-US" dirty="0"/>
           </a:p>
         </p:txBody>
       </p:sp>
@@ -2515,7 +2500,6 @@
               <a:rPr lang="zh-CN" altLang="en-US" dirty="0"/>
               <a:t>单击此处编辑母版文本样式</a:t>
             </a:r>
-            <a:endParaRPr lang="zh-CN" altLang="en-US" dirty="0"/>
           </a:p>
           <a:p>
             <a:pPr lvl="1"/>
@@ -2523,7 +2507,6 @@
               <a:rPr lang="zh-CN" altLang="en-US" dirty="0"/>
               <a:t>第二级</a:t>
             </a:r>
-            <a:endParaRPr lang="zh-CN" altLang="en-US" dirty="0"/>
           </a:p>
           <a:p>
             <a:pPr lvl="2"/>
@@ -2531,7 +2514,6 @@
               <a:rPr lang="zh-CN" altLang="en-US" dirty="0"/>
               <a:t>第三级</a:t>
             </a:r>
-            <a:endParaRPr lang="zh-CN" altLang="en-US" dirty="0"/>
           </a:p>
           <a:p>
             <a:pPr lvl="3"/>
@@ -2539,7 +2521,6 @@
               <a:rPr lang="zh-CN" altLang="en-US" dirty="0"/>
               <a:t>第四级</a:t>
             </a:r>
-            <a:endParaRPr lang="zh-CN" altLang="en-US" dirty="0"/>
           </a:p>
           <a:p>
             <a:pPr lvl="4"/>
@@ -2547,7 +2528,6 @@
               <a:rPr lang="zh-CN" altLang="en-US" dirty="0"/>
               <a:t>第五级</a:t>
             </a:r>
-            <a:endParaRPr lang="zh-CN" altLang="en-US" dirty="0"/>
           </a:p>
         </p:txBody>
       </p:sp>
@@ -2568,6 +2548,7 @@
           <a:p>
             <a:fld id="{760FBDFE-C587-4B4C-A407-44438C67B59E}" type="datetimeFigureOut">
               <a:rPr lang="zh-CN" altLang="en-US" smtClean="0"/>
+              <a:t>2024/10/21</a:t>
             </a:fld>
             <a:endParaRPr lang="zh-CN" altLang="en-US"/>
           </a:p>
@@ -2609,6 +2590,7 @@
           <a:p>
             <a:fld id="{49AE70B2-8BF9-45C0-BB95-33D1B9D3A854}" type="slidenum">
               <a:rPr lang="zh-CN" altLang="en-US" smtClean="0"/>
+              <a:t>‹#›</a:t>
             </a:fld>
             <a:endParaRPr lang="zh-CN" altLang="en-US"/>
           </a:p>
@@ -2671,7 +2653,6 @@
               <a:rPr lang="zh-CN" altLang="en-US" dirty="0"/>
               <a:t>单击此处编辑母版标题样式</a:t>
             </a:r>
-            <a:endParaRPr lang="zh-CN" altLang="en-US" dirty="0"/>
           </a:p>
         </p:txBody>
       </p:sp>
@@ -2692,6 +2673,7 @@
           <a:p>
             <a:fld id="{760FBDFE-C587-4B4C-A407-44438C67B59E}" type="datetimeFigureOut">
               <a:rPr lang="zh-CN" altLang="en-US" smtClean="0"/>
+              <a:t>2024/10/21</a:t>
             </a:fld>
             <a:endParaRPr lang="zh-CN" altLang="en-US"/>
           </a:p>
@@ -2733,6 +2715,7 @@
           <a:p>
             <a:fld id="{49AE70B2-8BF9-45C0-BB95-33D1B9D3A854}" type="slidenum">
               <a:rPr lang="zh-CN" altLang="en-US" smtClean="0"/>
+              <a:t>‹#›</a:t>
             </a:fld>
             <a:endParaRPr lang="zh-CN" altLang="en-US"/>
           </a:p>
@@ -2780,6 +2763,7 @@
           <a:p>
             <a:fld id="{760FBDFE-C587-4B4C-A407-44438C67B59E}" type="datetimeFigureOut">
               <a:rPr lang="zh-CN" altLang="en-US" smtClean="0"/>
+              <a:t>2024/10/21</a:t>
             </a:fld>
             <a:endParaRPr lang="zh-CN" altLang="en-US"/>
           </a:p>
@@ -2821,6 +2805,7 @@
           <a:p>
             <a:fld id="{49AE70B2-8BF9-45C0-BB95-33D1B9D3A854}" type="slidenum">
               <a:rPr lang="zh-CN" altLang="en-US" smtClean="0"/>
+              <a:t>‹#›</a:t>
             </a:fld>
             <a:endParaRPr lang="zh-CN" altLang="en-US"/>
           </a:p>
@@ -2883,7 +2868,6 @@
               <a:rPr lang="zh-CN" altLang="en-US" dirty="0"/>
               <a:t>单击此处编辑标题</a:t>
             </a:r>
-            <a:endParaRPr lang="zh-CN" altLang="en-US" dirty="0"/>
           </a:p>
         </p:txBody>
       </p:sp>
@@ -3015,7 +2999,6 @@
               <a:rPr lang="zh-CN" altLang="en-US" dirty="0"/>
               <a:t>单击此处编辑母版文本样式</a:t>
             </a:r>
-            <a:endParaRPr lang="zh-CN" altLang="en-US" dirty="0"/>
           </a:p>
         </p:txBody>
       </p:sp>
@@ -3036,6 +3019,7 @@
           <a:p>
             <a:fld id="{9EFD9D74-47D9-4702-A33C-335B63B48DBF}" type="datetimeFigureOut">
               <a:rPr lang="zh-CN" altLang="en-US" smtClean="0"/>
+              <a:t>2024/10/21</a:t>
             </a:fld>
             <a:endParaRPr lang="zh-CN" altLang="en-US" dirty="0"/>
           </a:p>
@@ -3077,6 +3061,7 @@
           <a:p>
             <a:fld id="{FABC47A4-756D-490B-A52F-7D9E2C9FC05F}" type="slidenum">
               <a:rPr lang="zh-CN" altLang="en-US" smtClean="0"/>
+              <a:t>‹#›</a:t>
             </a:fld>
             <a:endParaRPr lang="zh-CN" altLang="en-US"/>
           </a:p>
@@ -3137,7 +3122,6 @@
               <a:rPr lang="zh-CN" altLang="en-US" dirty="0"/>
               <a:t>单击此处编辑母版标题样式</a:t>
             </a:r>
-            <a:endParaRPr lang="zh-CN" altLang="en-US" dirty="0"/>
           </a:p>
         </p:txBody>
       </p:sp>
@@ -3166,7 +3150,6 @@
               <a:rPr lang="zh-CN" altLang="en-US" dirty="0"/>
               <a:t>单击此处编辑母版文本样式</a:t>
             </a:r>
-            <a:endParaRPr lang="zh-CN" altLang="en-US" dirty="0"/>
           </a:p>
           <a:p>
             <a:pPr lvl="1"/>
@@ -3174,7 +3157,6 @@
               <a:rPr lang="zh-CN" altLang="en-US" dirty="0"/>
               <a:t>第二级</a:t>
             </a:r>
-            <a:endParaRPr lang="zh-CN" altLang="en-US" dirty="0"/>
           </a:p>
           <a:p>
             <a:pPr lvl="2"/>
@@ -3182,7 +3164,6 @@
               <a:rPr lang="zh-CN" altLang="en-US" dirty="0"/>
               <a:t>第三级</a:t>
             </a:r>
-            <a:endParaRPr lang="zh-CN" altLang="en-US" dirty="0"/>
           </a:p>
           <a:p>
             <a:pPr lvl="3"/>
@@ -3190,7 +3171,6 @@
               <a:rPr lang="zh-CN" altLang="en-US" dirty="0"/>
               <a:t>第四级</a:t>
             </a:r>
-            <a:endParaRPr lang="zh-CN" altLang="en-US" dirty="0"/>
           </a:p>
           <a:p>
             <a:pPr lvl="4"/>
@@ -3198,7 +3178,6 @@
               <a:rPr lang="zh-CN" altLang="en-US" dirty="0"/>
               <a:t>第五级</a:t>
             </a:r>
-            <a:endParaRPr lang="zh-CN" altLang="en-US" dirty="0"/>
           </a:p>
         </p:txBody>
       </p:sp>
@@ -3219,6 +3198,7 @@
           <a:p>
             <a:fld id="{760FBDFE-C587-4B4C-A407-44438C67B59E}" type="datetimeFigureOut">
               <a:rPr lang="zh-CN" altLang="en-US" smtClean="0"/>
+              <a:t>2024/10/21</a:t>
             </a:fld>
             <a:endParaRPr lang="zh-CN" altLang="en-US"/>
           </a:p>
@@ -3260,6 +3240,7 @@
           <a:p>
             <a:fld id="{49AE70B2-8BF9-45C0-BB95-33D1B9D3A854}" type="slidenum">
               <a:rPr lang="zh-CN" altLang="en-US" smtClean="0"/>
+              <a:t>‹#›</a:t>
             </a:fld>
             <a:endParaRPr lang="zh-CN" altLang="en-US"/>
           </a:p>
@@ -3327,7 +3308,6 @@
               <a:rPr lang="zh-CN" altLang="en-US" dirty="0"/>
               <a:t>单击此处编辑母版标题样式</a:t>
             </a:r>
-            <a:endParaRPr lang="zh-CN" altLang="en-US" dirty="0"/>
           </a:p>
         </p:txBody>
       </p:sp>
@@ -3361,7 +3341,6 @@
               <a:rPr lang="zh-CN" altLang="en-US" dirty="0"/>
               <a:t>单击此处编辑母版文本样式</a:t>
             </a:r>
-            <a:endParaRPr lang="zh-CN" altLang="en-US" dirty="0"/>
           </a:p>
           <a:p>
             <a:pPr lvl="1"/>
@@ -3369,7 +3348,6 @@
               <a:rPr lang="zh-CN" altLang="en-US" dirty="0"/>
               <a:t>第二级</a:t>
             </a:r>
-            <a:endParaRPr lang="zh-CN" altLang="en-US" dirty="0"/>
           </a:p>
           <a:p>
             <a:pPr lvl="2"/>
@@ -3377,7 +3355,6 @@
               <a:rPr lang="zh-CN" altLang="en-US" dirty="0"/>
               <a:t>第三级</a:t>
             </a:r>
-            <a:endParaRPr lang="zh-CN" altLang="en-US" dirty="0"/>
           </a:p>
           <a:p>
             <a:pPr lvl="3"/>
@@ -3385,7 +3362,6 @@
               <a:rPr lang="zh-CN" altLang="en-US" dirty="0"/>
               <a:t>第四级</a:t>
             </a:r>
-            <a:endParaRPr lang="zh-CN" altLang="en-US" dirty="0"/>
           </a:p>
           <a:p>
             <a:pPr lvl="4"/>
@@ -3393,7 +3369,6 @@
               <a:rPr lang="zh-CN" altLang="en-US" dirty="0"/>
               <a:t>第五级</a:t>
             </a:r>
-            <a:endParaRPr lang="zh-CN" altLang="en-US" dirty="0"/>
           </a:p>
         </p:txBody>
       </p:sp>
@@ -3434,6 +3409,7 @@
           <a:p>
             <a:fld id="{760FBDFE-C587-4B4C-A407-44438C67B59E}" type="datetimeFigureOut">
               <a:rPr lang="zh-CN" altLang="en-US" smtClean="0"/>
+              <a:t>2024/10/21</a:t>
             </a:fld>
             <a:endParaRPr lang="zh-CN" altLang="en-US" dirty="0"/>
           </a:p>
@@ -3515,6 +3491,7 @@
           <a:p>
             <a:fld id="{49AE70B2-8BF9-45C0-BB95-33D1B9D3A854}" type="slidenum">
               <a:rPr lang="zh-CN" altLang="en-US" smtClean="0"/>
+              <a:t>‹#›</a:t>
             </a:fld>
             <a:endParaRPr lang="zh-CN" altLang="en-US"/>
           </a:p>
@@ -3855,6 +3832,7 @@
           <a:bodyPr wrap="none" rtlCol="0">
             <a:spAutoFit/>
           </a:bodyPr>
+          <a:lstStyle/>
           <a:p>
             <a:r>
               <a:rPr lang="zh-CN" altLang="en-US">
@@ -3863,10 +3841,6 @@
               </a:rPr>
               <a:t>轨迹数据挖掘任务</a:t>
             </a:r>
-            <a:endParaRPr lang="zh-CN" altLang="en-US">
-              <a:latin typeface="Times New Roman Regular" panose="02020603050405020304" charset="0"/>
-              <a:ea typeface="Source Han Serif SC Regular" panose="02020400000000000000" charset="-122"/>
-            </a:endParaRPr>
           </a:p>
         </p:txBody>
       </p:sp>
@@ -3890,32 +3864,22 @@
           <a:bodyPr wrap="none" rtlCol="0">
             <a:spAutoFit/>
           </a:bodyPr>
-          <a:p>
-            <a:r>
-              <a:rPr lang="zh-CN" altLang="en-US" b="1">
+          <a:lstStyle/>
+          <a:p>
+            <a:r>
+              <a:rPr lang="zh-CN" altLang="en-US" b="1" dirty="0">
                 <a:latin typeface="Source Han Serif SC Bold" panose="02020400000000000000" charset="-122"/>
                 <a:ea typeface="Source Han Serif SC Bold" panose="02020400000000000000" charset="-122"/>
               </a:rPr>
               <a:t>概述</a:t>
             </a:r>
             <a:r>
-              <a:rPr lang="zh-CN" altLang="en-US">
+              <a:rPr lang="zh-CN" altLang="en-US" dirty="0">
                 <a:latin typeface="Times New Roman Regular" panose="02020603050405020304" charset="0"/>
                 <a:ea typeface="Source Han Serif SC Regular" panose="02020400000000000000" charset="-122"/>
               </a:rPr>
-              <a:t>：利用数据挖掘课程学习到的聚类、分类、回归等技术，结合</a:t>
-            </a:r>
-            <a:r>
-              <a:rPr lang="zh-CN" altLang="en-US">
-                <a:latin typeface="Times New Roman Regular" panose="02020603050405020304" charset="0"/>
-                <a:ea typeface="Source Han Serif SC Regular" panose="02020400000000000000" charset="-122"/>
-              </a:rPr>
-              <a:t>成都交通轨迹数据，挖掘交通出行规律</a:t>
-            </a:r>
-            <a:endParaRPr lang="zh-CN" altLang="en-US">
-              <a:latin typeface="Times New Roman Regular" panose="02020603050405020304" charset="0"/>
-              <a:ea typeface="Source Han Serif SC Regular" panose="02020400000000000000" charset="-122"/>
-            </a:endParaRPr>
+              <a:t>：利用数据挖掘课程学习到的聚类、分类、回归等技术，结合成都交通轨迹数据，挖掘交通出行规律</a:t>
+            </a:r>
           </a:p>
         </p:txBody>
       </p:sp>
@@ -3939,6 +3903,214 @@
           <a:bodyPr wrap="none" rtlCol="0">
             <a:spAutoFit/>
           </a:bodyPr>
+          <a:lstStyle/>
+          <a:p>
+            <a:pPr algn="l"/>
+            <a:r>
+              <a:rPr lang="zh-CN" altLang="en-US" b="1" dirty="0">
+                <a:latin typeface="Source Han Serif SC Bold" panose="02020400000000000000" charset="-122"/>
+                <a:ea typeface="Source Han Serif SC Bold" panose="02020400000000000000" charset="-122"/>
+                <a:cs typeface="Times New Roman Regular" panose="02020603050405020304" charset="0"/>
+              </a:rPr>
+              <a:t>数据集</a:t>
+            </a:r>
+            <a:r>
+              <a:rPr lang="zh-CN" altLang="en-US" dirty="0">
+                <a:latin typeface="Times New Roman Regular" panose="02020603050405020304" charset="0"/>
+                <a:ea typeface="Source Han Serif SC Regular" panose="02020400000000000000" charset="-122"/>
+                <a:cs typeface="Times New Roman Regular" panose="02020603050405020304" charset="0"/>
+              </a:rPr>
+              <a:t>：https://github.com/yyf-buaa/DM_2024_Dataset</a:t>
+            </a:r>
+          </a:p>
+        </p:txBody>
+      </p:sp>
+      <p:sp>
+        <p:nvSpPr>
+          <p:cNvPr id="9" name="文本框 8"/>
+          <p:cNvSpPr txBox="1"/>
+          <p:nvPr/>
+        </p:nvSpPr>
+        <p:spPr>
+          <a:xfrm>
+            <a:off x="6748145" y="2898140"/>
+            <a:ext cx="2353310" cy="180340"/>
+          </a:xfrm>
+          <a:prstGeom prst="rect">
+            <a:avLst/>
+          </a:prstGeom>
+          <a:noFill/>
+        </p:spPr>
+        <p:txBody>
+          <a:bodyPr wrap="none" rtlCol="0">
+            <a:noAutofit/>
+          </a:bodyPr>
+          <a:lstStyle/>
+          <a:p>
+            <a:r>
+              <a:rPr lang="zh-CN" altLang="en-US" sz="1200">
+                <a:latin typeface="Times New Roman Regular" panose="02020603050405020304" charset="0"/>
+                <a:ea typeface="Source Han Serif SC Regular" panose="02020400000000000000" charset="-122"/>
+                <a:cs typeface="Times New Roman Regular" panose="02020603050405020304" charset="0"/>
+              </a:rPr>
+              <a:t>用于ETA预测的轨迹（缺失时间）</a:t>
+            </a:r>
+          </a:p>
+        </p:txBody>
+      </p:sp>
+      <p:sp>
+        <p:nvSpPr>
+          <p:cNvPr id="11" name="文本框 10"/>
+          <p:cNvSpPr txBox="1"/>
+          <p:nvPr/>
+        </p:nvSpPr>
+        <p:spPr>
+          <a:xfrm>
+            <a:off x="6832600" y="3139440"/>
+            <a:ext cx="1064260" cy="214630"/>
+          </a:xfrm>
+          <a:prstGeom prst="rect">
+            <a:avLst/>
+          </a:prstGeom>
+          <a:noFill/>
+        </p:spPr>
+        <p:txBody>
+          <a:bodyPr wrap="none" rtlCol="0">
+            <a:noAutofit/>
+          </a:bodyPr>
+          <a:lstStyle/>
+          <a:p>
+            <a:r>
+              <a:rPr lang="zh-CN" altLang="en-US" sz="1200" dirty="0">
+                <a:latin typeface="Times New Roman Regular" panose="02020603050405020304" charset="0"/>
+                <a:ea typeface="Source Han Serif SC Regular" panose="02020400000000000000" charset="-122"/>
+                <a:cs typeface="Times New Roman Regular" panose="02020603050405020304" charset="0"/>
+              </a:rPr>
+              <a:t>公路类型说明</a:t>
+            </a:r>
+          </a:p>
+        </p:txBody>
+      </p:sp>
+      <p:sp>
+        <p:nvSpPr>
+          <p:cNvPr id="12" name="文本框 11"/>
+          <p:cNvSpPr txBox="1"/>
+          <p:nvPr/>
+        </p:nvSpPr>
+        <p:spPr>
+          <a:xfrm>
+            <a:off x="6748145" y="3429000"/>
+            <a:ext cx="3484245" cy="230505"/>
+          </a:xfrm>
+          <a:prstGeom prst="rect">
+            <a:avLst/>
+          </a:prstGeom>
+          <a:noFill/>
+        </p:spPr>
+        <p:txBody>
+          <a:bodyPr wrap="none" rtlCol="0">
+            <a:noAutofit/>
+          </a:bodyPr>
+          <a:lstStyle/>
+          <a:p>
+            <a:r>
+              <a:rPr lang="zh-CN" altLang="en-US" sz="1200">
+                <a:latin typeface="Times New Roman Regular" panose="02020603050405020304" charset="0"/>
+                <a:ea typeface="Source Han Serif SC Regular" panose="02020400000000000000" charset="-122"/>
+                <a:cs typeface="Times New Roman Regular" panose="02020603050405020304" charset="0"/>
+              </a:rPr>
+              <a:t>用于下一跳预测的轨迹（缺失最后一跳的地址）</a:t>
+            </a:r>
+          </a:p>
+        </p:txBody>
+      </p:sp>
+      <p:sp>
+        <p:nvSpPr>
+          <p:cNvPr id="13" name="文本框 12"/>
+          <p:cNvSpPr txBox="1"/>
+          <p:nvPr/>
+        </p:nvSpPr>
+        <p:spPr>
+          <a:xfrm>
+            <a:off x="6748145" y="3657600"/>
+            <a:ext cx="4556125" cy="275590"/>
+          </a:xfrm>
+          <a:prstGeom prst="rect">
+            <a:avLst/>
+          </a:prstGeom>
+          <a:noFill/>
+        </p:spPr>
+        <p:txBody>
+          <a:bodyPr wrap="none" rtlCol="0">
+            <a:spAutoFit/>
+          </a:bodyPr>
+          <a:lstStyle/>
+          <a:p>
+            <a:r>
+              <a:rPr lang="zh-CN" altLang="en-US" sz="1200">
+                <a:latin typeface="Times New Roman Regular" panose="02020603050405020304" charset="0"/>
+                <a:ea typeface="Source Han Serif SC Regular" panose="02020400000000000000" charset="-122"/>
+                <a:cs typeface="Times New Roman Regular" panose="02020603050405020304" charset="0"/>
+              </a:rPr>
+              <a:t>路段属性描述，部分缺失highway类别，选择任务2.1需要预测出来</a:t>
+            </a:r>
+          </a:p>
+        </p:txBody>
+      </p:sp>
+      <p:sp>
+        <p:nvSpPr>
+          <p:cNvPr id="14" name="文本框 13"/>
+          <p:cNvSpPr txBox="1"/>
+          <p:nvPr/>
+        </p:nvSpPr>
+        <p:spPr>
+          <a:xfrm>
+            <a:off x="6638925" y="4481195"/>
+            <a:ext cx="2938145" cy="275590"/>
+          </a:xfrm>
+          <a:prstGeom prst="rect">
+            <a:avLst/>
+          </a:prstGeom>
+          <a:noFill/>
+        </p:spPr>
+        <p:txBody>
+          <a:bodyPr wrap="none" rtlCol="0">
+            <a:spAutoFit/>
+          </a:bodyPr>
+          <a:lstStyle/>
+          <a:p>
+            <a:r>
+              <a:rPr lang="zh-CN" altLang="en-US" sz="1200">
+                <a:latin typeface="Times New Roman Regular" panose="02020603050405020304" charset="0"/>
+                <a:ea typeface="Source Han Serif SC Regular" panose="02020400000000000000" charset="-122"/>
+                <a:cs typeface="Times New Roman Regular" panose="02020603050405020304" charset="0"/>
+              </a:rPr>
+              <a:t>GPS 轨迹数据，路网匹配后作为训练数据</a:t>
+            </a:r>
+          </a:p>
+        </p:txBody>
+      </p:sp>
+      <p:sp>
+        <p:nvSpPr>
+          <p:cNvPr id="16" name="文本框 15"/>
+          <p:cNvSpPr txBox="1"/>
+          <p:nvPr/>
+        </p:nvSpPr>
+        <p:spPr>
+          <a:xfrm>
+            <a:off x="499110" y="5660390"/>
+            <a:ext cx="2125980" cy="368300"/>
+          </a:xfrm>
+          <a:prstGeom prst="rect">
+            <a:avLst/>
+          </a:prstGeom>
+          <a:noFill/>
+        </p:spPr>
+        <p:txBody>
+          <a:bodyPr wrap="none" rtlCol="0">
+            <a:spAutoFit/>
+          </a:bodyPr>
+          <a:lstStyle/>
           <a:p>
             <a:pPr algn="l"/>
             <a:r>
@@ -3947,7 +4119,7 @@
                 <a:ea typeface="Source Han Serif SC Bold" panose="02020400000000000000" charset="-122"/>
                 <a:cs typeface="Times New Roman Regular" panose="02020603050405020304" charset="0"/>
               </a:rPr>
-              <a:t>数据集</a:t>
+              <a:t>组队</a:t>
             </a:r>
             <a:r>
               <a:rPr lang="zh-CN" altLang="en-US">
@@ -3955,26 +4127,37 @@
                 <a:ea typeface="Source Han Serif SC Regular" panose="02020400000000000000" charset="-122"/>
                 <a:cs typeface="Times New Roman Regular" panose="02020603050405020304" charset="0"/>
               </a:rPr>
-              <a:t>：https://github.com/yyf-buaa/DM_2024_Dataset</a:t>
-            </a:r>
-            <a:endParaRPr lang="zh-CN" altLang="en-US">
-              <a:latin typeface="Times New Roman Regular" panose="02020603050405020304" charset="0"/>
-              <a:ea typeface="Source Han Serif SC Regular" panose="02020400000000000000" charset="-122"/>
-              <a:cs typeface="Times New Roman Regular" panose="02020603050405020304" charset="0"/>
-            </a:endParaRPr>
-          </a:p>
-        </p:txBody>
-      </p:sp>
-      <p:sp>
-        <p:nvSpPr>
-          <p:cNvPr id="9" name="文本框 8"/>
+              <a:t>：</a:t>
+            </a:r>
+            <a:r>
+              <a:rPr lang="en-US" altLang="zh-CN">
+                <a:latin typeface="Times New Roman Regular" panose="02020603050405020304" charset="0"/>
+                <a:ea typeface="Source Han Serif SC Regular" panose="02020400000000000000" charset="-122"/>
+                <a:cs typeface="Times New Roman Regular" panose="02020603050405020304" charset="0"/>
+              </a:rPr>
+              <a:t>3</a:t>
+            </a:r>
+            <a:r>
+              <a:rPr lang="zh-CN" altLang="en-US">
+                <a:latin typeface="Times New Roman Regular" panose="02020603050405020304" charset="0"/>
+                <a:ea typeface="Source Han Serif SC Regular" panose="02020400000000000000" charset="-122"/>
+                <a:cs typeface="Times New Roman Regular" panose="02020603050405020304" charset="0"/>
+              </a:rPr>
+              <a:t>人组队完成</a:t>
+            </a:r>
+          </a:p>
+        </p:txBody>
+      </p:sp>
+      <p:sp>
+        <p:nvSpPr>
+          <p:cNvPr id="17" name="文本框 16"/>
           <p:cNvSpPr txBox="1"/>
           <p:nvPr/>
         </p:nvSpPr>
         <p:spPr>
           <a:xfrm>
-            <a:off x="6748145" y="2898140"/>
-            <a:ext cx="2353310" cy="180340"/>
+            <a:off x="499110" y="6193790"/>
+            <a:ext cx="6333490" cy="368300"/>
           </a:xfrm>
           <a:prstGeom prst="rect">
             <a:avLst/>
@@ -3983,193 +4166,9 @@
         </p:spPr>
         <p:txBody>
           <a:bodyPr wrap="none" rtlCol="0">
-            <a:noAutofit/>
-          </a:bodyPr>
-          <a:p>
-            <a:r>
-              <a:rPr lang="zh-CN" altLang="en-US" sz="1200">
-                <a:latin typeface="Times New Roman Regular" panose="02020603050405020304" charset="0"/>
-                <a:ea typeface="Source Han Serif SC Regular" panose="02020400000000000000" charset="-122"/>
-                <a:cs typeface="Times New Roman Regular" panose="02020603050405020304" charset="0"/>
-              </a:rPr>
-              <a:t>用于ETA预测的轨迹（缺失时间）</a:t>
-            </a:r>
-            <a:endParaRPr lang="zh-CN" altLang="en-US" sz="1200">
-              <a:latin typeface="Times New Roman Regular" panose="02020603050405020304" charset="0"/>
-              <a:ea typeface="Source Han Serif SC Regular" panose="02020400000000000000" charset="-122"/>
-              <a:cs typeface="Times New Roman Regular" panose="02020603050405020304" charset="0"/>
-            </a:endParaRPr>
-          </a:p>
-        </p:txBody>
-      </p:sp>
-      <p:sp>
-        <p:nvSpPr>
-          <p:cNvPr id="11" name="文本框 10"/>
-          <p:cNvSpPr txBox="1"/>
-          <p:nvPr/>
-        </p:nvSpPr>
-        <p:spPr>
-          <a:xfrm>
-            <a:off x="6832600" y="3139440"/>
-            <a:ext cx="1064260" cy="214630"/>
-          </a:xfrm>
-          <a:prstGeom prst="rect">
-            <a:avLst/>
-          </a:prstGeom>
-          <a:noFill/>
-        </p:spPr>
-        <p:txBody>
-          <a:bodyPr wrap="none" rtlCol="0">
-            <a:noAutofit/>
-          </a:bodyPr>
-          <a:p>
-            <a:r>
-              <a:rPr lang="zh-CN" altLang="en-US" sz="1200">
-                <a:latin typeface="Times New Roman Regular" panose="02020603050405020304" charset="0"/>
-                <a:ea typeface="Source Han Serif SC Regular" panose="02020400000000000000" charset="-122"/>
-                <a:cs typeface="Times New Roman Regular" panose="02020603050405020304" charset="0"/>
-              </a:rPr>
-              <a:t>公路类型说明</a:t>
-            </a:r>
-            <a:endParaRPr lang="zh-CN" altLang="en-US" sz="1200">
-              <a:latin typeface="Times New Roman Regular" panose="02020603050405020304" charset="0"/>
-              <a:ea typeface="Source Han Serif SC Regular" panose="02020400000000000000" charset="-122"/>
-              <a:cs typeface="Times New Roman Regular" panose="02020603050405020304" charset="0"/>
-            </a:endParaRPr>
-          </a:p>
-        </p:txBody>
-      </p:sp>
-      <p:sp>
-        <p:nvSpPr>
-          <p:cNvPr id="12" name="文本框 11"/>
-          <p:cNvSpPr txBox="1"/>
-          <p:nvPr/>
-        </p:nvSpPr>
-        <p:spPr>
-          <a:xfrm>
-            <a:off x="6748145" y="3429000"/>
-            <a:ext cx="3484245" cy="230505"/>
-          </a:xfrm>
-          <a:prstGeom prst="rect">
-            <a:avLst/>
-          </a:prstGeom>
-          <a:noFill/>
-        </p:spPr>
-        <p:txBody>
-          <a:bodyPr wrap="none" rtlCol="0">
-            <a:noAutofit/>
-          </a:bodyPr>
-          <a:p>
-            <a:r>
-              <a:rPr lang="zh-CN" altLang="en-US" sz="1200">
-                <a:latin typeface="Times New Roman Regular" panose="02020603050405020304" charset="0"/>
-                <a:ea typeface="Source Han Serif SC Regular" panose="02020400000000000000" charset="-122"/>
-                <a:cs typeface="Times New Roman Regular" panose="02020603050405020304" charset="0"/>
-              </a:rPr>
-              <a:t>用于下一跳预测的轨迹（缺失最后一跳的地址）</a:t>
-            </a:r>
-            <a:endParaRPr lang="zh-CN" altLang="en-US" sz="1200">
-              <a:latin typeface="Times New Roman Regular" panose="02020603050405020304" charset="0"/>
-              <a:ea typeface="Source Han Serif SC Regular" panose="02020400000000000000" charset="-122"/>
-              <a:cs typeface="Times New Roman Regular" panose="02020603050405020304" charset="0"/>
-            </a:endParaRPr>
-          </a:p>
-        </p:txBody>
-      </p:sp>
-      <p:sp>
-        <p:nvSpPr>
-          <p:cNvPr id="13" name="文本框 12"/>
-          <p:cNvSpPr txBox="1"/>
-          <p:nvPr/>
-        </p:nvSpPr>
-        <p:spPr>
-          <a:xfrm>
-            <a:off x="6748145" y="3657600"/>
-            <a:ext cx="4556125" cy="275590"/>
-          </a:xfrm>
-          <a:prstGeom prst="rect">
-            <a:avLst/>
-          </a:prstGeom>
-          <a:noFill/>
-        </p:spPr>
-        <p:txBody>
-          <a:bodyPr wrap="none" rtlCol="0">
             <a:spAutoFit/>
           </a:bodyPr>
-          <a:p>
-            <a:r>
-              <a:rPr lang="zh-CN" altLang="en-US" sz="1200">
-                <a:latin typeface="Times New Roman Regular" panose="02020603050405020304" charset="0"/>
-                <a:ea typeface="Source Han Serif SC Regular" panose="02020400000000000000" charset="-122"/>
-                <a:cs typeface="Times New Roman Regular" panose="02020603050405020304" charset="0"/>
-              </a:rPr>
-              <a:t>路段属性描述，部分缺失highway类别，选择任务2.1需要预测出来</a:t>
-            </a:r>
-            <a:endParaRPr lang="zh-CN" altLang="en-US" sz="1200">
-              <a:latin typeface="Times New Roman Regular" panose="02020603050405020304" charset="0"/>
-              <a:ea typeface="Source Han Serif SC Regular" panose="02020400000000000000" charset="-122"/>
-              <a:cs typeface="Times New Roman Regular" panose="02020603050405020304" charset="0"/>
-            </a:endParaRPr>
-          </a:p>
-        </p:txBody>
-      </p:sp>
-      <p:sp>
-        <p:nvSpPr>
-          <p:cNvPr id="14" name="文本框 13"/>
-          <p:cNvSpPr txBox="1"/>
-          <p:nvPr/>
-        </p:nvSpPr>
-        <p:spPr>
-          <a:xfrm>
-            <a:off x="6638925" y="4481195"/>
-            <a:ext cx="2938145" cy="275590"/>
-          </a:xfrm>
-          <a:prstGeom prst="rect">
-            <a:avLst/>
-          </a:prstGeom>
-          <a:noFill/>
-        </p:spPr>
-        <p:txBody>
-          <a:bodyPr wrap="none" rtlCol="0">
-            <a:spAutoFit/>
-          </a:bodyPr>
-          <a:p>
-            <a:r>
-              <a:rPr lang="zh-CN" altLang="en-US" sz="1200">
-                <a:latin typeface="Times New Roman Regular" panose="02020603050405020304" charset="0"/>
-                <a:ea typeface="Source Han Serif SC Regular" panose="02020400000000000000" charset="-122"/>
-                <a:cs typeface="Times New Roman Regular" panose="02020603050405020304" charset="0"/>
-              </a:rPr>
-              <a:t>GPS 轨迹数据，路网匹配后作为训练数据</a:t>
-            </a:r>
-            <a:endParaRPr lang="zh-CN" altLang="en-US" sz="1200">
-              <a:latin typeface="Times New Roman Regular" panose="02020603050405020304" charset="0"/>
-              <a:ea typeface="Source Han Serif SC Regular" panose="02020400000000000000" charset="-122"/>
-              <a:cs typeface="Times New Roman Regular" panose="02020603050405020304" charset="0"/>
-            </a:endParaRPr>
-          </a:p>
-        </p:txBody>
-      </p:sp>
-      <p:sp>
-        <p:nvSpPr>
-          <p:cNvPr id="16" name="文本框 15"/>
-          <p:cNvSpPr txBox="1"/>
-          <p:nvPr/>
-        </p:nvSpPr>
-        <p:spPr>
-          <a:xfrm>
-            <a:off x="499110" y="5660390"/>
-            <a:ext cx="2125980" cy="368300"/>
-          </a:xfrm>
-          <a:prstGeom prst="rect">
-            <a:avLst/>
-          </a:prstGeom>
-          <a:noFill/>
-        </p:spPr>
-        <p:txBody>
-          <a:bodyPr wrap="none" rtlCol="0">
-            <a:spAutoFit/>
-          </a:bodyPr>
+          <a:lstStyle/>
           <a:p>
             <a:pPr algn="l"/>
             <a:r>
@@ -4178,7 +4177,7 @@
                 <a:ea typeface="Source Han Serif SC Bold" panose="02020400000000000000" charset="-122"/>
                 <a:cs typeface="Times New Roman Regular" panose="02020603050405020304" charset="0"/>
               </a:rPr>
-              <a:t>组队</a:t>
+              <a:t>提交要求</a:t>
             </a:r>
             <a:r>
               <a:rPr lang="zh-CN" altLang="en-US">
@@ -4186,7 +4185,7 @@
                 <a:ea typeface="Source Han Serif SC Regular" panose="02020400000000000000" charset="-122"/>
                 <a:cs typeface="Times New Roman Regular" panose="02020603050405020304" charset="0"/>
               </a:rPr>
-              <a:t>：</a:t>
+              <a:t>：报告</a:t>
             </a:r>
             <a:r>
               <a:rPr lang="en-US" altLang="zh-CN">
@@ -4194,7 +4193,7 @@
                 <a:ea typeface="Source Han Serif SC Regular" panose="02020400000000000000" charset="-122"/>
                 <a:cs typeface="Times New Roman Regular" panose="02020603050405020304" charset="0"/>
               </a:rPr>
-              <a:t>3</a:t>
+              <a:t>(pdf) + </a:t>
             </a:r>
             <a:r>
               <a:rPr lang="zh-CN" altLang="en-US">
@@ -4202,45 +4201,15 @@
                 <a:ea typeface="Source Han Serif SC Regular" panose="02020400000000000000" charset="-122"/>
                 <a:cs typeface="Times New Roman Regular" panose="02020603050405020304" charset="0"/>
               </a:rPr>
-              <a:t>人组队完成</a:t>
-            </a:r>
-            <a:endParaRPr lang="zh-CN" altLang="en-US">
-              <a:latin typeface="Times New Roman Regular" panose="02020603050405020304" charset="0"/>
-              <a:ea typeface="Source Han Serif SC Regular" panose="02020400000000000000" charset="-122"/>
-              <a:cs typeface="Times New Roman Regular" panose="02020603050405020304" charset="0"/>
-            </a:endParaRPr>
-          </a:p>
-        </p:txBody>
-      </p:sp>
-      <p:sp>
-        <p:nvSpPr>
-          <p:cNvPr id="17" name="文本框 16"/>
-          <p:cNvSpPr txBox="1"/>
-          <p:nvPr/>
-        </p:nvSpPr>
-        <p:spPr>
-          <a:xfrm>
-            <a:off x="499110" y="6193790"/>
-            <a:ext cx="6333490" cy="368300"/>
-          </a:xfrm>
-          <a:prstGeom prst="rect">
-            <a:avLst/>
-          </a:prstGeom>
-          <a:noFill/>
-        </p:spPr>
-        <p:txBody>
-          <a:bodyPr wrap="none" rtlCol="0">
-            <a:spAutoFit/>
-          </a:bodyPr>
-          <a:p>
-            <a:pPr algn="l"/>
-            <a:r>
-              <a:rPr lang="zh-CN" altLang="en-US" b="1">
-                <a:latin typeface="Source Han Serif SC Bold" panose="02020400000000000000" charset="-122"/>
-                <a:ea typeface="Source Han Serif SC Bold" panose="02020400000000000000" charset="-122"/>
+              <a:t>实现代码</a:t>
+            </a:r>
+            <a:r>
+              <a:rPr lang="en-US" altLang="zh-CN">
+                <a:latin typeface="Times New Roman Regular" panose="02020603050405020304" charset="0"/>
+                <a:ea typeface="Source Han Serif SC Regular" panose="02020400000000000000" charset="-122"/>
                 <a:cs typeface="Times New Roman Regular" panose="02020603050405020304" charset="0"/>
               </a:rPr>
-              <a:t>提交要求</a:t>
+              <a:t>(github/gitlab) + </a:t>
             </a:r>
             <a:r>
               <a:rPr lang="zh-CN" altLang="en-US">
@@ -4248,7 +4217,7 @@
                 <a:ea typeface="Source Han Serif SC Regular" panose="02020400000000000000" charset="-122"/>
                 <a:cs typeface="Times New Roman Regular" panose="02020603050405020304" charset="0"/>
               </a:rPr>
-              <a:t>：报告</a:t>
+              <a:t>分工说明</a:t>
             </a:r>
             <a:r>
               <a:rPr lang="en-US" altLang="zh-CN">
@@ -4256,45 +4225,8 @@
                 <a:ea typeface="Source Han Serif SC Regular" panose="02020400000000000000" charset="-122"/>
                 <a:cs typeface="Times New Roman Regular" panose="02020603050405020304" charset="0"/>
               </a:rPr>
-              <a:t>(pdf) + </a:t>
-            </a:r>
-            <a:r>
-              <a:rPr lang="zh-CN" altLang="en-US">
-                <a:latin typeface="Times New Roman Regular" panose="02020603050405020304" charset="0"/>
-                <a:ea typeface="Source Han Serif SC Regular" panose="02020400000000000000" charset="-122"/>
-                <a:cs typeface="Times New Roman Regular" panose="02020603050405020304" charset="0"/>
-              </a:rPr>
-              <a:t>实现代码</a:t>
-            </a:r>
-            <a:r>
-              <a:rPr lang="en-US" altLang="zh-CN">
-                <a:latin typeface="Times New Roman Regular" panose="02020603050405020304" charset="0"/>
-                <a:ea typeface="Source Han Serif SC Regular" panose="02020400000000000000" charset="-122"/>
-                <a:cs typeface="Times New Roman Regular" panose="02020603050405020304" charset="0"/>
-              </a:rPr>
-              <a:t>(github/gitlab) + </a:t>
-            </a:r>
-            <a:r>
-              <a:rPr lang="zh-CN" altLang="en-US">
-                <a:latin typeface="Times New Roman Regular" panose="02020603050405020304" charset="0"/>
-                <a:ea typeface="Source Han Serif SC Regular" panose="02020400000000000000" charset="-122"/>
-                <a:cs typeface="Times New Roman Regular" panose="02020603050405020304" charset="0"/>
-              </a:rPr>
-              <a:t>分工说明</a:t>
-            </a:r>
-            <a:r>
-              <a:rPr lang="en-US" altLang="zh-CN">
-                <a:latin typeface="Times New Roman Regular" panose="02020603050405020304" charset="0"/>
-                <a:ea typeface="Source Han Serif SC Regular" panose="02020400000000000000" charset="-122"/>
-                <a:cs typeface="Times New Roman Regular" panose="02020603050405020304" charset="0"/>
-              </a:rPr>
               <a:t>(pdf)</a:t>
             </a:r>
-            <a:endParaRPr lang="en-US" altLang="zh-CN">
-              <a:latin typeface="Times New Roman Regular" panose="02020603050405020304" charset="0"/>
-              <a:ea typeface="Source Han Serif SC Regular" panose="02020400000000000000" charset="-122"/>
-              <a:cs typeface="Times New Roman Regular" panose="02020603050405020304" charset="0"/>
-            </a:endParaRPr>
           </a:p>
         </p:txBody>
       </p:sp>
@@ -4307,14 +4239,14 @@
           <p:nvPr/>
         </p:nvPicPr>
         <p:blipFill>
-          <a:blip r:embed="rId1"/>
+          <a:blip r:embed="rId3"/>
           <a:stretch>
             <a:fillRect/>
           </a:stretch>
         </p:blipFill>
         <p:spPr>
           <a:xfrm>
-            <a:off x="699135" y="2863215"/>
+            <a:off x="681882" y="2836545"/>
             <a:ext cx="5895975" cy="1920240"/>
           </a:xfrm>
           <a:prstGeom prst="rect">
@@ -4342,6 +4274,7 @@
           <a:bodyPr wrap="none" rtlCol="0">
             <a:noAutofit/>
           </a:bodyPr>
+          <a:lstStyle/>
           <a:p>
             <a:r>
               <a:rPr lang="zh-CN" altLang="en-US" sz="1200">
@@ -4349,58 +4282,41 @@
                 <a:ea typeface="Source Han Serif SC Regular" panose="02020400000000000000" charset="-122"/>
                 <a:cs typeface="Times New Roman Regular" panose="02020603050405020304" charset="0"/>
               </a:rPr>
-              <a:t>用于相似轨迹搜索的轨迹，对于sim_task中的轨迹从</a:t>
-            </a:r>
+              <a:t>用于相似轨迹搜索的轨迹，对于sim_task中的轨迹从traj中检测出最相似的</a:t>
+            </a:r>
+          </a:p>
+        </p:txBody>
+      </p:sp>
+      <p:sp>
+        <p:nvSpPr>
+          <p:cNvPr id="7" name="文本框 6"/>
+          <p:cNvSpPr txBox="1"/>
+          <p:nvPr/>
+        </p:nvSpPr>
+        <p:spPr>
+          <a:xfrm>
+            <a:off x="6748145" y="3933190"/>
+            <a:ext cx="1402080" cy="275590"/>
+          </a:xfrm>
+          <a:prstGeom prst="rect">
+            <a:avLst/>
+          </a:prstGeom>
+          <a:noFill/>
+        </p:spPr>
+        <p:txBody>
+          <a:bodyPr wrap="none" rtlCol="0">
+            <a:spAutoFit/>
+          </a:bodyPr>
+          <a:lstStyle/>
+          <a:p>
             <a:r>
               <a:rPr lang="zh-CN" altLang="en-US" sz="1200">
                 <a:latin typeface="Times New Roman Regular" panose="02020603050405020304" charset="0"/>
                 <a:ea typeface="Source Han Serif SC Regular" panose="02020400000000000000" charset="-122"/>
                 <a:cs typeface="Times New Roman Regular" panose="02020603050405020304" charset="0"/>
               </a:rPr>
-              <a:t>traj中检测出最相似的</a:t>
-            </a:r>
-            <a:endParaRPr lang="zh-CN" altLang="en-US" sz="1200">
-              <a:latin typeface="Times New Roman Regular" panose="02020603050405020304" charset="0"/>
-              <a:ea typeface="Source Han Serif SC Regular" panose="02020400000000000000" charset="-122"/>
-              <a:cs typeface="Times New Roman Regular" panose="02020603050405020304" charset="0"/>
-            </a:endParaRPr>
-          </a:p>
-        </p:txBody>
-      </p:sp>
-      <p:sp>
-        <p:nvSpPr>
-          <p:cNvPr id="7" name="文本框 6"/>
-          <p:cNvSpPr txBox="1"/>
-          <p:nvPr/>
-        </p:nvSpPr>
-        <p:spPr>
-          <a:xfrm>
-            <a:off x="6748145" y="3933190"/>
-            <a:ext cx="1402080" cy="275590"/>
-          </a:xfrm>
-          <a:prstGeom prst="rect">
-            <a:avLst/>
-          </a:prstGeom>
-          <a:noFill/>
-        </p:spPr>
-        <p:txBody>
-          <a:bodyPr wrap="none" rtlCol="0">
-            <a:spAutoFit/>
-          </a:bodyPr>
-          <a:p>
-            <a:r>
-              <a:rPr lang="zh-CN" altLang="en-US" sz="1200">
-                <a:latin typeface="Times New Roman Regular" panose="02020603050405020304" charset="0"/>
-                <a:ea typeface="Source Han Serif SC Regular" panose="02020400000000000000" charset="-122"/>
-                <a:cs typeface="Times New Roman Regular" panose="02020603050405020304" charset="0"/>
-              </a:rPr>
               <a:t>路段邻接关系描述</a:t>
             </a:r>
-            <a:endParaRPr lang="zh-CN" altLang="en-US" sz="1200">
-              <a:latin typeface="Times New Roman Regular" panose="02020603050405020304" charset="0"/>
-              <a:ea typeface="Source Han Serif SC Regular" panose="02020400000000000000" charset="-122"/>
-              <a:cs typeface="Times New Roman Regular" panose="02020603050405020304" charset="0"/>
-            </a:endParaRPr>
           </a:p>
         </p:txBody>
       </p:sp>
@@ -4449,6 +4365,7 @@
           <a:bodyPr wrap="none" rtlCol="0">
             <a:spAutoFit/>
           </a:bodyPr>
+          <a:lstStyle/>
           <a:p>
             <a:r>
               <a:rPr lang="zh-CN" altLang="en-US" b="1">
@@ -4457,10 +4374,6 @@
               </a:rPr>
               <a:t>轨迹数据挖掘任务</a:t>
             </a:r>
-            <a:endParaRPr lang="zh-CN" altLang="en-US" b="1">
-              <a:latin typeface="Source Han Serif SC Bold" panose="02020400000000000000" charset="-122"/>
-              <a:ea typeface="Source Han Serif SC Bold" panose="02020400000000000000" charset="-122"/>
-            </a:endParaRPr>
           </a:p>
         </p:txBody>
       </p:sp>
@@ -4484,6 +4397,7 @@
           <a:bodyPr wrap="none" rtlCol="0">
             <a:spAutoFit/>
           </a:bodyPr>
+          <a:lstStyle/>
           <a:p>
             <a:pPr algn="l"/>
             <a:r>
@@ -4506,9 +4420,6 @@
               </a:rPr>
               <a:t>数据预处理（路网匹配）</a:t>
             </a:r>
-            <a:endParaRPr lang="zh-CN" altLang="en-US">
-              <a:sym typeface="+mn-ea"/>
-            </a:endParaRPr>
           </a:p>
         </p:txBody>
       </p:sp>
@@ -4532,6 +4443,7 @@
           <a:bodyPr wrap="none" rtlCol="0">
             <a:spAutoFit/>
           </a:bodyPr>
+          <a:lstStyle/>
           <a:p>
             <a:r>
               <a:rPr lang="zh-CN" altLang="en-US"/>
@@ -4545,7 +4457,6 @@
               <a:rPr lang="zh-CN" altLang="en-US"/>
               <a:t>形式的，你需要将其映射到路网上。</a:t>
             </a:r>
-            <a:endParaRPr lang="zh-CN" altLang="en-US"/>
           </a:p>
           <a:p>
             <a:endParaRPr lang="zh-CN" altLang="en-US"/>
@@ -4555,7 +4466,6 @@
               <a:rPr lang="zh-CN" altLang="en-US"/>
               <a:t>注意</a:t>
             </a:r>
-            <a:endParaRPr lang="zh-CN" altLang="en-US"/>
           </a:p>
           <a:p>
             <a:pPr indent="457200"/>
@@ -4573,13 +4483,8 @@
             </a:r>
             <a:r>
               <a:rPr lang="zh-CN" altLang="en-US"/>
-              <a:t>噪声，你可能会遇到需要插补、近似的情形。描述你的解决</a:t>
-            </a:r>
-            <a:r>
-              <a:rPr lang="zh-CN" altLang="en-US"/>
-              <a:t>思路。</a:t>
-            </a:r>
-            <a:endParaRPr lang="zh-CN" altLang="en-US"/>
+              <a:t>噪声，你可能会遇到需要插补、近似的情形。描述你的解决思路。</a:t>
+            </a:r>
           </a:p>
           <a:p>
             <a:pPr indent="457200"/>
@@ -4589,13 +4494,8 @@
             </a:r>
             <a:r>
               <a:rPr lang="zh-CN" altLang="en-US"/>
-              <a:t>路网匹配算法的执行时间很长，建议不要</a:t>
-            </a:r>
-            <a:r>
-              <a:rPr lang="zh-CN" altLang="en-US"/>
-              <a:t>拖延</a:t>
-            </a:r>
-            <a:endParaRPr lang="zh-CN" altLang="en-US"/>
+              <a:t>路网匹配算法的执行时间很长，建议不要拖延</a:t>
+            </a:r>
           </a:p>
           <a:p>
             <a:pPr indent="457200"/>
@@ -4605,13 +4505,8 @@
             </a:r>
             <a:r>
               <a:rPr lang="zh-CN" altLang="en-US"/>
-              <a:t>可以参考比较现有的方案选取合适的</a:t>
-            </a:r>
-            <a:r>
-              <a:rPr lang="zh-CN" altLang="en-US"/>
-              <a:t>一种。</a:t>
-            </a:r>
-            <a:endParaRPr lang="zh-CN" altLang="en-US"/>
+              <a:t>可以参考比较现有的方案选取合适的一种。</a:t>
+            </a:r>
           </a:p>
           <a:p>
             <a:endParaRPr lang="zh-CN" altLang="en-US"/>
@@ -4627,7 +4522,7 @@
           <p:nvPr/>
         </p:nvPicPr>
         <p:blipFill>
-          <a:blip r:embed="rId1"/>
+          <a:blip r:embed="rId3"/>
           <a:stretch>
             <a:fillRect/>
           </a:stretch>
@@ -4662,6 +4557,7 @@
           <a:bodyPr wrap="none" rtlCol="0">
             <a:spAutoFit/>
           </a:bodyPr>
+          <a:lstStyle/>
           <a:p>
             <a:pPr algn="l"/>
             <a:r>
@@ -4671,10 +4567,6 @@
               </a:rPr>
               <a:t>25% Score</a:t>
             </a:r>
-            <a:endParaRPr lang="en-US">
-              <a:latin typeface="Source Han Serif SC" panose="02020400000000000000" charset="-122"/>
-              <a:ea typeface="Source Han Serif SC" panose="02020400000000000000" charset="-122"/>
-            </a:endParaRPr>
           </a:p>
         </p:txBody>
       </p:sp>
@@ -4723,6 +4615,7 @@
           <a:bodyPr wrap="none" rtlCol="0">
             <a:spAutoFit/>
           </a:bodyPr>
+          <a:lstStyle/>
           <a:p>
             <a:r>
               <a:rPr lang="zh-CN" altLang="en-US" b="1">
@@ -4731,10 +4624,6 @@
               </a:rPr>
               <a:t>轨迹数据挖掘任务</a:t>
             </a:r>
-            <a:endParaRPr lang="zh-CN" altLang="en-US" b="1">
-              <a:latin typeface="Source Han Serif SC Bold" panose="02020400000000000000" charset="-122"/>
-              <a:ea typeface="Source Han Serif SC Bold" panose="02020400000000000000" charset="-122"/>
-            </a:endParaRPr>
           </a:p>
         </p:txBody>
       </p:sp>
@@ -4758,6 +4647,7 @@
           <a:bodyPr wrap="none" rtlCol="0">
             <a:spAutoFit/>
           </a:bodyPr>
+          <a:lstStyle/>
           <a:p>
             <a:pPr algn="l"/>
             <a:r>
@@ -4804,9 +4694,6 @@
               </a:rPr>
               <a:t>完成</a:t>
             </a:r>
-            <a:endParaRPr lang="zh-CN" altLang="en-US">
-              <a:sym typeface="+mn-ea"/>
-            </a:endParaRPr>
           </a:p>
         </p:txBody>
       </p:sp>
@@ -4830,6 +4717,7 @@
           <a:bodyPr wrap="none" rtlCol="0">
             <a:spAutoFit/>
           </a:bodyPr>
+          <a:lstStyle/>
           <a:p>
             <a:pPr algn="l"/>
             <a:r>
@@ -4846,7 +4734,29 @@
                 <a:ea typeface="Source Han Serif SC" panose="02020400000000000000" charset="-122"/>
                 <a:cs typeface="Source Han Serif SC" panose="02020400000000000000" charset="-122"/>
               </a:rPr>
-              <a:t>路段</a:t>
+              <a:t>路段分类：</a:t>
+            </a:r>
+          </a:p>
+          <a:p>
+            <a:pPr algn="l"/>
+            <a:r>
+              <a:rPr lang="en-US" altLang="zh-CN">
+                <a:latin typeface="Source Han Serif SC" panose="02020400000000000000" charset="-122"/>
+                <a:ea typeface="Source Han Serif SC" panose="02020400000000000000" charset="-122"/>
+                <a:cs typeface="Source Han Serif SC" panose="02020400000000000000" charset="-122"/>
+              </a:rPr>
+              <a:t>  </a:t>
+            </a:r>
+          </a:p>
+          <a:p>
+            <a:pPr algn="l"/>
+            <a:r>
+              <a:rPr lang="en-US" altLang="zh-CN">
+                <a:latin typeface="Source Han Serif SC" panose="02020400000000000000" charset="-122"/>
+                <a:ea typeface="Source Han Serif SC" panose="02020400000000000000" charset="-122"/>
+                <a:cs typeface="Source Han Serif SC" panose="02020400000000000000" charset="-122"/>
+              </a:rPr>
+              <a:t>   2.1 </a:t>
             </a:r>
             <a:r>
               <a:rPr lang="zh-CN" altLang="en-US">
@@ -4854,61 +4764,8 @@
                 <a:ea typeface="Source Han Serif SC" panose="02020400000000000000" charset="-122"/>
                 <a:cs typeface="Source Han Serif SC" panose="02020400000000000000" charset="-122"/>
               </a:rPr>
-              <a:t>分类：</a:t>
-            </a:r>
-            <a:endParaRPr lang="zh-CN" altLang="en-US">
-              <a:latin typeface="Source Han Serif SC" panose="02020400000000000000" charset="-122"/>
-              <a:ea typeface="Source Han Serif SC" panose="02020400000000000000" charset="-122"/>
-              <a:cs typeface="Source Han Serif SC" panose="02020400000000000000" charset="-122"/>
-            </a:endParaRPr>
-          </a:p>
-          <a:p>
-            <a:pPr algn="l"/>
-            <a:r>
-              <a:rPr lang="en-US" altLang="zh-CN">
-                <a:latin typeface="Source Han Serif SC" panose="02020400000000000000" charset="-122"/>
-                <a:ea typeface="Source Han Serif SC" panose="02020400000000000000" charset="-122"/>
-                <a:cs typeface="Source Han Serif SC" panose="02020400000000000000" charset="-122"/>
-              </a:rPr>
-              <a:t>  </a:t>
-            </a:r>
-            <a:endParaRPr lang="en-US" altLang="zh-CN">
-              <a:latin typeface="Source Han Serif SC" panose="02020400000000000000" charset="-122"/>
-              <a:ea typeface="Source Han Serif SC" panose="02020400000000000000" charset="-122"/>
-              <a:cs typeface="Source Han Serif SC" panose="02020400000000000000" charset="-122"/>
-            </a:endParaRPr>
-          </a:p>
-          <a:p>
-            <a:pPr algn="l"/>
-            <a:r>
-              <a:rPr lang="en-US" altLang="zh-CN">
-                <a:latin typeface="Source Han Serif SC" panose="02020400000000000000" charset="-122"/>
-                <a:ea typeface="Source Han Serif SC" panose="02020400000000000000" charset="-122"/>
-                <a:cs typeface="Source Han Serif SC" panose="02020400000000000000" charset="-122"/>
-              </a:rPr>
-              <a:t>   2.1 </a:t>
-            </a:r>
-            <a:r>
-              <a:rPr lang="zh-CN" altLang="en-US">
-                <a:latin typeface="Source Han Serif SC" panose="02020400000000000000" charset="-122"/>
-                <a:ea typeface="Source Han Serif SC" panose="02020400000000000000" charset="-122"/>
-                <a:cs typeface="Source Han Serif SC" panose="02020400000000000000" charset="-122"/>
-              </a:rPr>
-              <a:t>：如何处理</a:t>
-            </a:r>
-            <a:r>
-              <a:rPr lang="zh-CN" altLang="en-US">
-                <a:latin typeface="Source Han Serif SC" panose="02020400000000000000" charset="-122"/>
-                <a:ea typeface="Source Han Serif SC" panose="02020400000000000000" charset="-122"/>
-                <a:cs typeface="Source Han Serif SC" panose="02020400000000000000" charset="-122"/>
-              </a:rPr>
-              <a:t>路段特征</a:t>
-            </a:r>
-            <a:endParaRPr lang="zh-CN" altLang="en-US">
-              <a:latin typeface="Source Han Serif SC" panose="02020400000000000000" charset="-122"/>
-              <a:ea typeface="Source Han Serif SC" panose="02020400000000000000" charset="-122"/>
-              <a:cs typeface="Source Han Serif SC" panose="02020400000000000000" charset="-122"/>
-            </a:endParaRPr>
+              <a:t>：如何处理路段特征</a:t>
+            </a:r>
           </a:p>
           <a:p>
             <a:pPr algn="l"/>
@@ -4944,11 +4801,6 @@
               </a:rPr>
               <a:t>：选择分类器</a:t>
             </a:r>
-            <a:endParaRPr lang="zh-CN" altLang="en-US">
-              <a:latin typeface="Source Han Serif SC" panose="02020400000000000000" charset="-122"/>
-              <a:ea typeface="Source Han Serif SC" panose="02020400000000000000" charset="-122"/>
-              <a:cs typeface="Source Han Serif SC" panose="02020400000000000000" charset="-122"/>
-            </a:endParaRPr>
           </a:p>
           <a:p>
             <a:pPr algn="l"/>
@@ -4974,21 +4826,8 @@
                 <a:ea typeface="Source Han Serif SC" panose="02020400000000000000" charset="-122"/>
                 <a:cs typeface="Source Han Serif SC" panose="02020400000000000000" charset="-122"/>
               </a:rPr>
-              <a:t>：评估你的</a:t>
-            </a:r>
-            <a:r>
-              <a:rPr lang="zh-CN" altLang="en-US">
-                <a:latin typeface="Source Han Serif SC" panose="02020400000000000000" charset="-122"/>
-                <a:ea typeface="Source Han Serif SC" panose="02020400000000000000" charset="-122"/>
-                <a:cs typeface="Source Han Serif SC" panose="02020400000000000000" charset="-122"/>
-              </a:rPr>
-              <a:t>分类效果</a:t>
-            </a:r>
-            <a:endParaRPr lang="zh-CN" altLang="en-US">
-              <a:latin typeface="Source Han Serif SC" panose="02020400000000000000" charset="-122"/>
-              <a:ea typeface="Source Han Serif SC" panose="02020400000000000000" charset="-122"/>
-              <a:cs typeface="Source Han Serif SC" panose="02020400000000000000" charset="-122"/>
-            </a:endParaRPr>
+              <a:t>：评估你的分类效果</a:t>
+            </a:r>
           </a:p>
         </p:txBody>
       </p:sp>
@@ -5012,6 +4851,7 @@
           <a:bodyPr wrap="none" rtlCol="0">
             <a:spAutoFit/>
           </a:bodyPr>
+          <a:lstStyle/>
           <a:p>
             <a:pPr algn="l"/>
             <a:r>
@@ -5028,7 +4868,29 @@
                 <a:ea typeface="Source Han Serif SC" panose="02020400000000000000" charset="-122"/>
                 <a:cs typeface="Source Han Serif SC" panose="02020400000000000000" charset="-122"/>
               </a:rPr>
-              <a:t>相似轨迹</a:t>
+              <a:t>相似轨迹检索</a:t>
+            </a:r>
+          </a:p>
+          <a:p>
+            <a:pPr algn="l"/>
+            <a:r>
+              <a:rPr lang="en-US" altLang="zh-CN">
+                <a:latin typeface="Source Han Serif SC" panose="02020400000000000000" charset="-122"/>
+                <a:ea typeface="Source Han Serif SC" panose="02020400000000000000" charset="-122"/>
+                <a:cs typeface="Source Han Serif SC" panose="02020400000000000000" charset="-122"/>
+              </a:rPr>
+              <a:t>   </a:t>
+            </a:r>
+          </a:p>
+          <a:p>
+            <a:pPr algn="l"/>
+            <a:r>
+              <a:rPr lang="en-US" altLang="zh-CN">
+                <a:latin typeface="Source Han Serif SC" panose="02020400000000000000" charset="-122"/>
+                <a:ea typeface="Source Han Serif SC" panose="02020400000000000000" charset="-122"/>
+                <a:cs typeface="Source Han Serif SC" panose="02020400000000000000" charset="-122"/>
+              </a:rPr>
+              <a:t>    2.1 </a:t>
             </a:r>
             <a:r>
               <a:rPr lang="zh-CN" altLang="en-US">
@@ -5036,13 +4898,8 @@
                 <a:ea typeface="Source Han Serif SC" panose="02020400000000000000" charset="-122"/>
                 <a:cs typeface="Source Han Serif SC" panose="02020400000000000000" charset="-122"/>
               </a:rPr>
-              <a:t>检索</a:t>
-            </a:r>
-            <a:endParaRPr lang="zh-CN" altLang="en-US">
-              <a:latin typeface="Source Han Serif SC" panose="02020400000000000000" charset="-122"/>
-              <a:ea typeface="Source Han Serif SC" panose="02020400000000000000" charset="-122"/>
-              <a:cs typeface="Source Han Serif SC" panose="02020400000000000000" charset="-122"/>
-            </a:endParaRPr>
+              <a:t>：如何定义轨迹相似度</a:t>
+            </a:r>
           </a:p>
           <a:p>
             <a:pPr algn="l"/>
@@ -5054,51 +4911,6 @@
               </a:rPr>
               <a:t>   </a:t>
             </a:r>
-            <a:endParaRPr lang="en-US" altLang="zh-CN">
-              <a:latin typeface="Source Han Serif SC" panose="02020400000000000000" charset="-122"/>
-              <a:ea typeface="Source Han Serif SC" panose="02020400000000000000" charset="-122"/>
-              <a:cs typeface="Source Han Serif SC" panose="02020400000000000000" charset="-122"/>
-            </a:endParaRPr>
-          </a:p>
-          <a:p>
-            <a:pPr algn="l"/>
-            <a:r>
-              <a:rPr lang="en-US" altLang="zh-CN">
-                <a:latin typeface="Source Han Serif SC" panose="02020400000000000000" charset="-122"/>
-                <a:ea typeface="Source Han Serif SC" panose="02020400000000000000" charset="-122"/>
-                <a:cs typeface="Source Han Serif SC" panose="02020400000000000000" charset="-122"/>
-              </a:rPr>
-              <a:t>    2.1 </a:t>
-            </a:r>
-            <a:r>
-              <a:rPr lang="zh-CN" altLang="en-US">
-                <a:latin typeface="Source Han Serif SC" panose="02020400000000000000" charset="-122"/>
-                <a:ea typeface="Source Han Serif SC" panose="02020400000000000000" charset="-122"/>
-                <a:cs typeface="Source Han Serif SC" panose="02020400000000000000" charset="-122"/>
-              </a:rPr>
-              <a:t>：如何定义轨迹相似度</a:t>
-            </a:r>
-            <a:endParaRPr lang="zh-CN" altLang="en-US">
-              <a:latin typeface="Source Han Serif SC" panose="02020400000000000000" charset="-122"/>
-              <a:ea typeface="Source Han Serif SC" panose="02020400000000000000" charset="-122"/>
-              <a:cs typeface="Source Han Serif SC" panose="02020400000000000000" charset="-122"/>
-            </a:endParaRPr>
-          </a:p>
-          <a:p>
-            <a:pPr algn="l"/>
-            <a:r>
-              <a:rPr lang="en-US" altLang="zh-CN">
-                <a:latin typeface="Source Han Serif SC" panose="02020400000000000000" charset="-122"/>
-                <a:ea typeface="Source Han Serif SC" panose="02020400000000000000" charset="-122"/>
-                <a:cs typeface="Source Han Serif SC" panose="02020400000000000000" charset="-122"/>
-              </a:rPr>
-              <a:t>   </a:t>
-            </a:r>
-            <a:endParaRPr lang="en-US" altLang="zh-CN">
-              <a:latin typeface="Source Han Serif SC" panose="02020400000000000000" charset="-122"/>
-              <a:ea typeface="Source Han Serif SC" panose="02020400000000000000" charset="-122"/>
-              <a:cs typeface="Source Han Serif SC" panose="02020400000000000000" charset="-122"/>
-            </a:endParaRPr>
           </a:p>
           <a:p>
             <a:pPr algn="l"/>
@@ -5156,23 +4968,8 @@
                 <a:cs typeface="Source Han Serif SC" panose="02020400000000000000" charset="-122"/>
                 <a:sym typeface="+mn-ea"/>
               </a:rPr>
-              <a:t>：评估你的检索效果，选取一些轨迹检索的结果</a:t>
-            </a:r>
-            <a:r>
-              <a:rPr lang="zh-CN" altLang="en-US">
-                <a:latin typeface="Source Han Serif SC" panose="02020400000000000000" charset="-122"/>
-                <a:ea typeface="Source Han Serif SC" panose="02020400000000000000" charset="-122"/>
-                <a:cs typeface="Source Han Serif SC" panose="02020400000000000000" charset="-122"/>
-                <a:sym typeface="+mn-ea"/>
-              </a:rPr>
-              <a:t>做可视化。</a:t>
-            </a:r>
-            <a:endParaRPr lang="zh-CN" altLang="en-US">
-              <a:latin typeface="Source Han Serif SC" panose="02020400000000000000" charset="-122"/>
-              <a:ea typeface="Source Han Serif SC" panose="02020400000000000000" charset="-122"/>
-              <a:cs typeface="Source Han Serif SC" panose="02020400000000000000" charset="-122"/>
-              <a:sym typeface="+mn-ea"/>
-            </a:endParaRPr>
+              <a:t>：评估你的检索效果，选取一些轨迹检索的结果做可视化。</a:t>
+            </a:r>
           </a:p>
         </p:txBody>
       </p:sp>
@@ -5196,6 +4993,7 @@
           <a:bodyPr wrap="none" rtlCol="0">
             <a:spAutoFit/>
           </a:bodyPr>
+          <a:lstStyle/>
           <a:p>
             <a:pPr algn="l"/>
             <a:r>
@@ -5205,10 +5003,6 @@
               </a:rPr>
               <a:t>25% Score</a:t>
             </a:r>
-            <a:endParaRPr lang="en-US">
-              <a:latin typeface="Source Han Serif SC" panose="02020400000000000000" charset="-122"/>
-              <a:ea typeface="Source Han Serif SC" panose="02020400000000000000" charset="-122"/>
-            </a:endParaRPr>
           </a:p>
         </p:txBody>
       </p:sp>
@@ -5232,6 +5026,7 @@
           <a:bodyPr wrap="none" rtlCol="0">
             <a:spAutoFit/>
           </a:bodyPr>
+          <a:lstStyle/>
           <a:p>
             <a:pPr algn="l"/>
             <a:r>
@@ -5241,10 +5036,6 @@
               </a:rPr>
               <a:t>5% Score</a:t>
             </a:r>
-            <a:endParaRPr lang="en-US">
-              <a:latin typeface="Source Han Serif SC" panose="02020400000000000000" charset="-122"/>
-              <a:ea typeface="Source Han Serif SC" panose="02020400000000000000" charset="-122"/>
-            </a:endParaRPr>
           </a:p>
         </p:txBody>
       </p:sp>
@@ -5268,6 +5059,7 @@
           <a:bodyPr wrap="none" rtlCol="0">
             <a:spAutoFit/>
           </a:bodyPr>
+          <a:lstStyle/>
           <a:p>
             <a:pPr algn="l"/>
             <a:r>
@@ -5277,10 +5069,6 @@
               </a:rPr>
               <a:t>10% Score</a:t>
             </a:r>
-            <a:endParaRPr lang="en-US">
-              <a:latin typeface="Source Han Serif SC" panose="02020400000000000000" charset="-122"/>
-              <a:ea typeface="Source Han Serif SC" panose="02020400000000000000" charset="-122"/>
-            </a:endParaRPr>
           </a:p>
         </p:txBody>
       </p:sp>
@@ -5304,6 +5092,7 @@
           <a:bodyPr wrap="none" rtlCol="0">
             <a:spAutoFit/>
           </a:bodyPr>
+          <a:lstStyle/>
           <a:p>
             <a:pPr algn="l"/>
             <a:r>
@@ -5313,10 +5102,6 @@
               </a:rPr>
               <a:t>10% Score</a:t>
             </a:r>
-            <a:endParaRPr lang="en-US">
-              <a:latin typeface="Source Han Serif SC" panose="02020400000000000000" charset="-122"/>
-              <a:ea typeface="Source Han Serif SC" panose="02020400000000000000" charset="-122"/>
-            </a:endParaRPr>
           </a:p>
         </p:txBody>
       </p:sp>
@@ -5340,6 +5125,7 @@
           <a:bodyPr wrap="none" rtlCol="0">
             <a:spAutoFit/>
           </a:bodyPr>
+          <a:lstStyle/>
           <a:p>
             <a:pPr algn="l"/>
             <a:r>
@@ -5349,10 +5135,6 @@
               </a:rPr>
               <a:t>5% Score</a:t>
             </a:r>
-            <a:endParaRPr lang="en-US">
-              <a:latin typeface="Source Han Serif SC" panose="02020400000000000000" charset="-122"/>
-              <a:ea typeface="Source Han Serif SC" panose="02020400000000000000" charset="-122"/>
-            </a:endParaRPr>
           </a:p>
         </p:txBody>
       </p:sp>
@@ -5376,6 +5158,7 @@
           <a:bodyPr wrap="none" rtlCol="0">
             <a:spAutoFit/>
           </a:bodyPr>
+          <a:lstStyle/>
           <a:p>
             <a:pPr algn="l"/>
             <a:r>
@@ -5385,10 +5168,6 @@
               </a:rPr>
               <a:t>10% Score</a:t>
             </a:r>
-            <a:endParaRPr lang="en-US">
-              <a:latin typeface="Source Han Serif SC" panose="02020400000000000000" charset="-122"/>
-              <a:ea typeface="Source Han Serif SC" panose="02020400000000000000" charset="-122"/>
-            </a:endParaRPr>
           </a:p>
         </p:txBody>
       </p:sp>
@@ -5412,6 +5191,7 @@
           <a:bodyPr wrap="none" rtlCol="0">
             <a:spAutoFit/>
           </a:bodyPr>
+          <a:lstStyle/>
           <a:p>
             <a:pPr algn="l"/>
             <a:r>
@@ -5421,10 +5201,6 @@
               </a:rPr>
               <a:t>10% Score</a:t>
             </a:r>
-            <a:endParaRPr lang="en-US">
-              <a:latin typeface="Source Han Serif SC" panose="02020400000000000000" charset="-122"/>
-              <a:ea typeface="Source Han Serif SC" panose="02020400000000000000" charset="-122"/>
-            </a:endParaRPr>
           </a:p>
         </p:txBody>
       </p:sp>
@@ -5473,6 +5249,7 @@
           <a:bodyPr wrap="none" rtlCol="0">
             <a:spAutoFit/>
           </a:bodyPr>
+          <a:lstStyle/>
           <a:p>
             <a:r>
               <a:rPr lang="zh-CN" altLang="en-US" b="1">
@@ -5481,10 +5258,6 @@
               </a:rPr>
               <a:t>轨迹数据挖掘任务</a:t>
             </a:r>
-            <a:endParaRPr lang="zh-CN" altLang="en-US" b="1">
-              <a:latin typeface="Source Han Serif SC Bold" panose="02020400000000000000" charset="-122"/>
-              <a:ea typeface="Source Han Serif SC Bold" panose="02020400000000000000" charset="-122"/>
-            </a:endParaRPr>
           </a:p>
         </p:txBody>
       </p:sp>
@@ -5508,6 +5281,7 @@
           <a:bodyPr wrap="none" rtlCol="0">
             <a:spAutoFit/>
           </a:bodyPr>
+          <a:lstStyle/>
           <a:p>
             <a:pPr algn="l"/>
             <a:r>
@@ -5561,12 +5335,6 @@
               </a:rPr>
               <a:t>估计</a:t>
             </a:r>
-            <a:endParaRPr lang="zh-CN" altLang="en-US">
-              <a:latin typeface="Source Han Serif SC Regular" panose="02020400000000000000" charset="-122"/>
-              <a:ea typeface="Source Han Serif SC Regular" panose="02020400000000000000" charset="-122"/>
-              <a:cs typeface="Source Han Serif SC Regular" panose="02020400000000000000" charset="-122"/>
-              <a:sym typeface="+mn-ea"/>
-            </a:endParaRPr>
           </a:p>
         </p:txBody>
       </p:sp>
@@ -5590,6 +5358,7 @@
           <a:bodyPr wrap="none" rtlCol="0">
             <a:spAutoFit/>
           </a:bodyPr>
+          <a:lstStyle/>
           <a:p>
             <a:pPr algn="l"/>
             <a:r>
@@ -5606,21 +5375,8 @@
                 <a:ea typeface="Source Han Serif SC" panose="02020400000000000000" charset="-122"/>
                 <a:cs typeface="Source Han Serif SC" panose="02020400000000000000" charset="-122"/>
               </a:rPr>
-              <a:t>：车辆行驶时间估计，即给定出发时间、出发地点、目标地点，车辆到达时所需</a:t>
-            </a:r>
-            <a:r>
-              <a:rPr lang="zh-CN" altLang="en-US">
-                <a:latin typeface="Source Han Serif SC" panose="02020400000000000000" charset="-122"/>
-                <a:ea typeface="Source Han Serif SC" panose="02020400000000000000" charset="-122"/>
-                <a:cs typeface="Source Han Serif SC" panose="02020400000000000000" charset="-122"/>
-              </a:rPr>
-              <a:t>时间</a:t>
-            </a:r>
-            <a:endParaRPr lang="zh-CN" altLang="en-US">
-              <a:latin typeface="Source Han Serif SC" panose="02020400000000000000" charset="-122"/>
-              <a:ea typeface="Source Han Serif SC" panose="02020400000000000000" charset="-122"/>
-              <a:cs typeface="Source Han Serif SC" panose="02020400000000000000" charset="-122"/>
-            </a:endParaRPr>
+              <a:t>：车辆行驶时间估计，即给定出发时间、出发地点、目标地点，车辆到达时所需时间</a:t>
+            </a:r>
           </a:p>
           <a:p>
             <a:pPr algn="l"/>
@@ -5648,11 +5404,6 @@
               </a:rPr>
               <a:t>：设计算法，介绍研究出发点（例如轨迹密度与通行速度间的联系）</a:t>
             </a:r>
-            <a:endParaRPr lang="zh-CN" altLang="en-US">
-              <a:latin typeface="Source Han Serif SC" panose="02020400000000000000" charset="-122"/>
-              <a:ea typeface="Source Han Serif SC" panose="02020400000000000000" charset="-122"/>
-              <a:cs typeface="Source Han Serif SC" panose="02020400000000000000" charset="-122"/>
-            </a:endParaRPr>
           </a:p>
           <a:p>
             <a:pPr algn="l"/>
@@ -5678,21 +5429,8 @@
                 <a:ea typeface="Source Han Serif SC" panose="02020400000000000000" charset="-122"/>
                 <a:cs typeface="Source Han Serif SC" panose="02020400000000000000" charset="-122"/>
               </a:rPr>
-              <a:t>实现你的算法，</a:t>
-            </a:r>
-            <a:r>
-              <a:rPr lang="zh-CN" altLang="en-US">
-                <a:latin typeface="Source Han Serif SC" panose="02020400000000000000" charset="-122"/>
-                <a:ea typeface="Source Han Serif SC" panose="02020400000000000000" charset="-122"/>
-                <a:cs typeface="Source Han Serif SC" panose="02020400000000000000" charset="-122"/>
-              </a:rPr>
-              <a:t>提交代码</a:t>
-            </a:r>
-            <a:endParaRPr lang="zh-CN" altLang="en-US">
-              <a:latin typeface="Source Han Serif SC" panose="02020400000000000000" charset="-122"/>
-              <a:ea typeface="Source Han Serif SC" panose="02020400000000000000" charset="-122"/>
-              <a:cs typeface="Source Han Serif SC" panose="02020400000000000000" charset="-122"/>
-            </a:endParaRPr>
+              <a:t>实现你的算法，提交代码</a:t>
+            </a:r>
           </a:p>
           <a:p>
             <a:pPr algn="l"/>
@@ -5718,7 +5456,15 @@
                 <a:ea typeface="Source Han Serif SC" panose="02020400000000000000" charset="-122"/>
                 <a:cs typeface="Source Han Serif SC" panose="02020400000000000000" charset="-122"/>
               </a:rPr>
-              <a:t>：设计评估方式并</a:t>
+              <a:t>：设计评估方式并评估（例如如何划分数据，或者在节假日</a:t>
+            </a:r>
+            <a:r>
+              <a:rPr lang="en-US" altLang="zh-CN">
+                <a:latin typeface="Source Han Serif SC" panose="02020400000000000000" charset="-122"/>
+                <a:ea typeface="Source Han Serif SC" panose="02020400000000000000" charset="-122"/>
+                <a:cs typeface="Source Han Serif SC" panose="02020400000000000000" charset="-122"/>
+              </a:rPr>
+              <a:t>/</a:t>
             </a:r>
             <a:r>
               <a:rPr lang="zh-CN" altLang="en-US">
@@ -5726,37 +5472,8 @@
                 <a:ea typeface="Source Han Serif SC" panose="02020400000000000000" charset="-122"/>
                 <a:cs typeface="Source Han Serif SC" panose="02020400000000000000" charset="-122"/>
               </a:rPr>
-              <a:t>评估（例如如何划分数据，或者在节假日</a:t>
-            </a:r>
-            <a:r>
-              <a:rPr lang="en-US" altLang="zh-CN">
-                <a:latin typeface="Source Han Serif SC" panose="02020400000000000000" charset="-122"/>
-                <a:ea typeface="Source Han Serif SC" panose="02020400000000000000" charset="-122"/>
-                <a:cs typeface="Source Han Serif SC" panose="02020400000000000000" charset="-122"/>
-              </a:rPr>
-              <a:t>/</a:t>
-            </a:r>
-            <a:r>
-              <a:rPr lang="zh-CN" altLang="en-US">
-                <a:latin typeface="Source Han Serif SC" panose="02020400000000000000" charset="-122"/>
-                <a:ea typeface="Source Han Serif SC" panose="02020400000000000000" charset="-122"/>
-                <a:cs typeface="Source Han Serif SC" panose="02020400000000000000" charset="-122"/>
-              </a:rPr>
-              <a:t>工作日等多场景下</a:t>
-            </a:r>
-            <a:r>
-              <a:rPr lang="zh-CN" altLang="en-US">
-                <a:latin typeface="Source Han Serif SC" panose="02020400000000000000" charset="-122"/>
-                <a:ea typeface="Source Han Serif SC" panose="02020400000000000000" charset="-122"/>
-                <a:cs typeface="Source Han Serif SC" panose="02020400000000000000" charset="-122"/>
-              </a:rPr>
-              <a:t>评估）</a:t>
-            </a:r>
-            <a:endParaRPr lang="zh-CN" altLang="en-US">
-              <a:latin typeface="Source Han Serif SC" panose="02020400000000000000" charset="-122"/>
-              <a:ea typeface="Source Han Serif SC" panose="02020400000000000000" charset="-122"/>
-              <a:cs typeface="Source Han Serif SC" panose="02020400000000000000" charset="-122"/>
-            </a:endParaRPr>
+              <a:t>工作日等多场景下评估）</a:t>
+            </a:r>
           </a:p>
         </p:txBody>
       </p:sp>
@@ -5780,6 +5497,7 @@
           <a:bodyPr wrap="none" rtlCol="0">
             <a:spAutoFit/>
           </a:bodyPr>
+          <a:lstStyle/>
           <a:p>
             <a:pPr algn="l"/>
             <a:r>
@@ -5789,10 +5507,6 @@
               </a:rPr>
               <a:t>25% Score</a:t>
             </a:r>
-            <a:endParaRPr lang="en-US">
-              <a:latin typeface="Source Han Serif SC" panose="02020400000000000000" charset="-122"/>
-              <a:ea typeface="Source Han Serif SC" panose="02020400000000000000" charset="-122"/>
-            </a:endParaRPr>
           </a:p>
         </p:txBody>
       </p:sp>
@@ -5816,6 +5530,7 @@
           <a:bodyPr wrap="none" rtlCol="0">
             <a:spAutoFit/>
           </a:bodyPr>
+          <a:lstStyle/>
           <a:p>
             <a:pPr algn="l"/>
             <a:r>
@@ -5825,10 +5540,6 @@
               </a:rPr>
               <a:t>10% Score</a:t>
             </a:r>
-            <a:endParaRPr lang="en-US">
-              <a:latin typeface="Source Han Serif SC" panose="02020400000000000000" charset="-122"/>
-              <a:ea typeface="Source Han Serif SC" panose="02020400000000000000" charset="-122"/>
-            </a:endParaRPr>
           </a:p>
         </p:txBody>
       </p:sp>
@@ -5852,6 +5563,7 @@
           <a:bodyPr wrap="none" rtlCol="0">
             <a:spAutoFit/>
           </a:bodyPr>
+          <a:lstStyle/>
           <a:p>
             <a:pPr algn="l"/>
             <a:r>
@@ -5861,10 +5573,6 @@
               </a:rPr>
               <a:t>10% Score</a:t>
             </a:r>
-            <a:endParaRPr lang="en-US">
-              <a:latin typeface="Source Han Serif SC" panose="02020400000000000000" charset="-122"/>
-              <a:ea typeface="Source Han Serif SC" panose="02020400000000000000" charset="-122"/>
-            </a:endParaRPr>
           </a:p>
         </p:txBody>
       </p:sp>
@@ -5888,6 +5596,7 @@
           <a:bodyPr wrap="none" rtlCol="0">
             <a:spAutoFit/>
           </a:bodyPr>
+          <a:lstStyle/>
           <a:p>
             <a:pPr algn="l"/>
             <a:r>
@@ -5897,10 +5606,6 @@
               </a:rPr>
               <a:t>5% Score</a:t>
             </a:r>
-            <a:endParaRPr lang="en-US">
-              <a:latin typeface="Source Han Serif SC" panose="02020400000000000000" charset="-122"/>
-              <a:ea typeface="Source Han Serif SC" panose="02020400000000000000" charset="-122"/>
-            </a:endParaRPr>
           </a:p>
         </p:txBody>
       </p:sp>
@@ -5924,6 +5629,7 @@
           <a:bodyPr wrap="none" rtlCol="0">
             <a:spAutoFit/>
           </a:bodyPr>
+          <a:lstStyle/>
           <a:p>
             <a:pPr algn="l"/>
             <a:r>
@@ -5944,17 +5650,8 @@
               <a:rPr lang="zh-CN" altLang="en-US">
                 <a:sym typeface="+mn-ea"/>
               </a:rPr>
-              <a:t>分类任务（下一跳</a:t>
-            </a:r>
-            <a:r>
-              <a:rPr lang="zh-CN" altLang="en-US">
-                <a:sym typeface="+mn-ea"/>
-              </a:rPr>
-              <a:t>预测）</a:t>
-            </a:r>
-            <a:endParaRPr lang="zh-CN" altLang="en-US">
-              <a:sym typeface="+mn-ea"/>
-            </a:endParaRPr>
+              <a:t>分类任务（下一跳预测）</a:t>
+            </a:r>
           </a:p>
           <a:p>
             <a:pPr algn="l"/>
@@ -5968,17 +5665,8 @@
               <a:rPr lang="zh-CN" altLang="en-US">
                 <a:sym typeface="+mn-ea"/>
               </a:rPr>
-              <a:t>下一跳预测：指如何根据历史轨迹序列，预测下一个轨迹点所在的空间</a:t>
-            </a:r>
-            <a:r>
-              <a:rPr lang="zh-CN" altLang="en-US">
-                <a:sym typeface="+mn-ea"/>
-              </a:rPr>
-              <a:t>位置</a:t>
-            </a:r>
-            <a:endParaRPr lang="zh-CN" altLang="en-US">
-              <a:sym typeface="+mn-ea"/>
-            </a:endParaRPr>
+              <a:t>下一跳预测：指如何根据历史轨迹序列，预测下一个轨迹点所在的空间位置</a:t>
+            </a:r>
           </a:p>
           <a:p>
             <a:pPr indent="457200" algn="l"/>
@@ -5998,29 +5686,17 @@
               <a:rPr lang="zh-CN" altLang="en-US">
                 <a:sym typeface="+mn-ea"/>
               </a:rPr>
-              <a:t>描述你如何将下一跳预测任务建模为一个分类问题，</a:t>
-            </a:r>
+              <a:t>描述你如何将下一跳预测任务建模为一个分类问题，这个问题的关键难</a:t>
+            </a:r>
+          </a:p>
+          <a:p>
+            <a:pPr indent="457200" algn="l"/>
             <a:r>
               <a:rPr lang="zh-CN" altLang="en-US">
                 <a:sym typeface="+mn-ea"/>
               </a:rPr>
-              <a:t>这个问题的关键难</a:t>
-            </a:r>
-            <a:endParaRPr lang="zh-CN" altLang="en-US">
-              <a:sym typeface="+mn-ea"/>
-            </a:endParaRPr>
-          </a:p>
-          <a:p>
-            <a:pPr indent="457200" algn="l"/>
-            <a:r>
-              <a:rPr lang="zh-CN" altLang="en-US">
-                <a:sym typeface="+mn-ea"/>
-              </a:rPr>
               <a:t>点以及解决思路</a:t>
             </a:r>
-            <a:endParaRPr lang="zh-CN" altLang="en-US">
-              <a:sym typeface="+mn-ea"/>
-            </a:endParaRPr>
           </a:p>
           <a:p>
             <a:pPr indent="457200" algn="l"/>
@@ -6051,12 +5727,6 @@
               </a:rPr>
               <a:t>，提交代码</a:t>
             </a:r>
-            <a:endParaRPr lang="zh-CN" altLang="en-US">
-              <a:latin typeface="Source Han Serif SC" panose="02020400000000000000" charset="-122"/>
-              <a:ea typeface="Source Han Serif SC" panose="02020400000000000000" charset="-122"/>
-              <a:cs typeface="Source Han Serif SC" panose="02020400000000000000" charset="-122"/>
-              <a:sym typeface="+mn-ea"/>
-            </a:endParaRPr>
           </a:p>
           <a:p>
             <a:pPr indent="457200" algn="l"/>
@@ -6076,17 +5746,8 @@
               <a:rPr lang="zh-CN" altLang="en-US">
                 <a:sym typeface="+mn-ea"/>
               </a:rPr>
-              <a:t>给出你的评估</a:t>
-            </a:r>
-            <a:r>
-              <a:rPr lang="zh-CN" altLang="en-US">
-                <a:sym typeface="+mn-ea"/>
-              </a:rPr>
-              <a:t>结果</a:t>
-            </a:r>
-            <a:endParaRPr lang="zh-CN" altLang="en-US">
-              <a:sym typeface="+mn-ea"/>
-            </a:endParaRPr>
+              <a:t>给出你的评估结果</a:t>
+            </a:r>
           </a:p>
         </p:txBody>
       </p:sp>
@@ -6110,6 +5771,7 @@
           <a:bodyPr wrap="none" rtlCol="0">
             <a:spAutoFit/>
           </a:bodyPr>
+          <a:lstStyle/>
           <a:p>
             <a:pPr algn="l"/>
             <a:r>
@@ -6119,10 +5781,6 @@
               </a:rPr>
               <a:t>25% Score</a:t>
             </a:r>
-            <a:endParaRPr lang="en-US">
-              <a:latin typeface="Source Han Serif SC" panose="02020400000000000000" charset="-122"/>
-              <a:ea typeface="Source Han Serif SC" panose="02020400000000000000" charset="-122"/>
-            </a:endParaRPr>
           </a:p>
         </p:txBody>
       </p:sp>
@@ -6146,6 +5804,7 @@
           <a:bodyPr wrap="none" rtlCol="0">
             <a:spAutoFit/>
           </a:bodyPr>
+          <a:lstStyle/>
           <a:p>
             <a:pPr algn="l"/>
             <a:r>
@@ -6155,10 +5814,6 @@
               </a:rPr>
               <a:t>10% Score</a:t>
             </a:r>
-            <a:endParaRPr lang="en-US">
-              <a:latin typeface="Source Han Serif SC" panose="02020400000000000000" charset="-122"/>
-              <a:ea typeface="Source Han Serif SC" panose="02020400000000000000" charset="-122"/>
-            </a:endParaRPr>
           </a:p>
         </p:txBody>
       </p:sp>
@@ -6182,6 +5837,7 @@
           <a:bodyPr wrap="none" rtlCol="0">
             <a:spAutoFit/>
           </a:bodyPr>
+          <a:lstStyle/>
           <a:p>
             <a:pPr algn="l"/>
             <a:r>
@@ -6191,10 +5847,6 @@
               </a:rPr>
               <a:t>10% Score</a:t>
             </a:r>
-            <a:endParaRPr lang="en-US">
-              <a:latin typeface="Source Han Serif SC" panose="02020400000000000000" charset="-122"/>
-              <a:ea typeface="Source Han Serif SC" panose="02020400000000000000" charset="-122"/>
-            </a:endParaRPr>
           </a:p>
         </p:txBody>
       </p:sp>
@@ -6218,6 +5870,7 @@
           <a:bodyPr wrap="none" rtlCol="0">
             <a:spAutoFit/>
           </a:bodyPr>
+          <a:lstStyle/>
           <a:p>
             <a:pPr algn="l"/>
             <a:r>
@@ -6227,10 +5880,6 @@
               </a:rPr>
               <a:t>5% Score</a:t>
             </a:r>
-            <a:endParaRPr lang="en-US">
-              <a:latin typeface="Source Han Serif SC" panose="02020400000000000000" charset="-122"/>
-              <a:ea typeface="Source Han Serif SC" panose="02020400000000000000" charset="-122"/>
-            </a:endParaRPr>
           </a:p>
         </p:txBody>
       </p:sp>
@@ -6279,6 +5928,7 @@
           <a:bodyPr wrap="none" rtlCol="0">
             <a:spAutoFit/>
           </a:bodyPr>
+          <a:lstStyle/>
           <a:p>
             <a:r>
               <a:rPr lang="zh-CN" altLang="en-US" b="1">
@@ -6287,10 +5937,6 @@
               </a:rPr>
               <a:t>轨迹数据挖掘任务</a:t>
             </a:r>
-            <a:endParaRPr lang="zh-CN" altLang="en-US" b="1">
-              <a:latin typeface="Source Han Serif SC Bold" panose="02020400000000000000" charset="-122"/>
-              <a:ea typeface="Source Han Serif SC Bold" panose="02020400000000000000" charset="-122"/>
-            </a:endParaRPr>
           </a:p>
         </p:txBody>
       </p:sp>
@@ -6314,6 +5960,7 @@
           <a:bodyPr wrap="none" rtlCol="0">
             <a:spAutoFit/>
           </a:bodyPr>
+          <a:lstStyle/>
           <a:p>
             <a:pPr algn="l"/>
             <a:r>
@@ -6350,12 +5997,6 @@
               </a:rPr>
               <a:t>:</a:t>
             </a:r>
-            <a:endParaRPr lang="en-US" altLang="zh-CN">
-              <a:latin typeface="Source Han Serif SC Regular" panose="02020400000000000000" charset="-122"/>
-              <a:ea typeface="Source Han Serif SC Regular" panose="02020400000000000000" charset="-122"/>
-              <a:cs typeface="Source Han Serif SC Regular" panose="02020400000000000000" charset="-122"/>
-              <a:sym typeface="+mn-ea"/>
-            </a:endParaRPr>
           </a:p>
           <a:p>
             <a:pPr algn="l"/>
@@ -6386,12 +6027,6 @@
               </a:rPr>
               <a:t>尝试挖掘其他数据规律，视工作量和创新点加分。</a:t>
             </a:r>
-            <a:endParaRPr lang="zh-CN" altLang="en-US">
-              <a:latin typeface="Source Han Serif SC Regular" panose="02020400000000000000" charset="-122"/>
-              <a:ea typeface="Source Han Serif SC Regular" panose="02020400000000000000" charset="-122"/>
-              <a:cs typeface="Source Han Serif SC Regular" panose="02020400000000000000" charset="-122"/>
-              <a:sym typeface="+mn-ea"/>
-            </a:endParaRPr>
           </a:p>
           <a:p>
             <a:pPr marL="457200" lvl="1" indent="457200" algn="l"/>
@@ -6413,12 +6048,6 @@
               </a:rPr>
               <a:t>例如，如何结合下一跳预测和旅行时间估计，建立轨迹生成模型。</a:t>
             </a:r>
-            <a:endParaRPr lang="zh-CN" altLang="en-US">
-              <a:latin typeface="Source Han Serif SC Regular" panose="02020400000000000000" charset="-122"/>
-              <a:ea typeface="Source Han Serif SC Regular" panose="02020400000000000000" charset="-122"/>
-              <a:cs typeface="Source Han Serif SC Regular" panose="02020400000000000000" charset="-122"/>
-              <a:sym typeface="+mn-ea"/>
-            </a:endParaRPr>
           </a:p>
           <a:p>
             <a:pPr marL="457200" lvl="1" indent="457200" algn="l"/>
@@ -6440,12 +6069,6 @@
               </a:rPr>
               <a:t>如何结合聚类任务，提升预测的准确性？</a:t>
             </a:r>
-            <a:endParaRPr lang="zh-CN" altLang="en-US">
-              <a:latin typeface="Source Han Serif SC Regular" panose="02020400000000000000" charset="-122"/>
-              <a:ea typeface="Source Han Serif SC Regular" panose="02020400000000000000" charset="-122"/>
-              <a:cs typeface="Source Han Serif SC Regular" panose="02020400000000000000" charset="-122"/>
-              <a:sym typeface="+mn-ea"/>
-            </a:endParaRPr>
           </a:p>
         </p:txBody>
       </p:sp>
@@ -6469,6 +6092,7 @@
           <a:bodyPr wrap="none" rtlCol="0">
             <a:spAutoFit/>
           </a:bodyPr>
+          <a:lstStyle/>
           <a:p>
             <a:pPr algn="l"/>
             <a:r>
@@ -6499,10 +6123,6 @@
               </a:rPr>
               <a:t>% Score</a:t>
             </a:r>
-            <a:endParaRPr lang="en-US">
-              <a:latin typeface="Source Han Serif SC" panose="02020400000000000000" charset="-122"/>
-              <a:ea typeface="Source Han Serif SC" panose="02020400000000000000" charset="-122"/>
-            </a:endParaRPr>
           </a:p>
         </p:txBody>
       </p:sp>
@@ -6526,6 +6146,7 @@
           <a:bodyPr wrap="none" rtlCol="0">
             <a:spAutoFit/>
           </a:bodyPr>
+          <a:lstStyle/>
           <a:p>
             <a:pPr algn="l"/>
             <a:r>
@@ -6542,21 +6163,8 @@
                 <a:ea typeface="Source Han Serif SC" panose="02020400000000000000" charset="-122"/>
                 <a:cs typeface="Source Han Serif SC" panose="02020400000000000000" charset="-122"/>
               </a:rPr>
-              <a:t>：每个小组的组长</a:t>
-            </a:r>
-            <a:r>
-              <a:rPr lang="zh-CN" altLang="en-US">
-                <a:latin typeface="Source Han Serif SC" panose="02020400000000000000" charset="-122"/>
-                <a:ea typeface="Source Han Serif SC" panose="02020400000000000000" charset="-122"/>
-                <a:cs typeface="Source Han Serif SC" panose="02020400000000000000" charset="-122"/>
-              </a:rPr>
-              <a:t>提交</a:t>
-            </a:r>
-            <a:endParaRPr lang="zh-CN" altLang="en-US">
-              <a:latin typeface="Source Han Serif SC" panose="02020400000000000000" charset="-122"/>
-              <a:ea typeface="Source Han Serif SC" panose="02020400000000000000" charset="-122"/>
-              <a:cs typeface="Source Han Serif SC" panose="02020400000000000000" charset="-122"/>
-            </a:endParaRPr>
+              <a:t>：每个小组的组长提交</a:t>
+            </a:r>
           </a:p>
           <a:p>
             <a:pPr indent="457200" algn="l"/>
@@ -6592,11 +6200,6 @@
               </a:rPr>
               <a:t>yfyang@buaa.edu.cn</a:t>
             </a:r>
-            <a:endParaRPr lang="en-US" altLang="zh-CN">
-              <a:latin typeface="Source Han Serif SC" panose="02020400000000000000" charset="-122"/>
-              <a:ea typeface="Source Han Serif SC" panose="02020400000000000000" charset="-122"/>
-              <a:cs typeface="Source Han Serif SC" panose="02020400000000000000" charset="-122"/>
-            </a:endParaRPr>
           </a:p>
           <a:p>
             <a:pPr marL="457200" lvl="1" indent="457200" algn="l"/>
@@ -6672,11 +6275,6 @@
               </a:rPr>
               <a:t>课程大作业</a:t>
             </a:r>
-            <a:endParaRPr lang="zh-CN" altLang="en-US">
-              <a:latin typeface="Source Han Serif SC" panose="02020400000000000000" charset="-122"/>
-              <a:ea typeface="Source Han Serif SC" panose="02020400000000000000" charset="-122"/>
-              <a:cs typeface="Source Han Serif SC" panose="02020400000000000000" charset="-122"/>
-            </a:endParaRPr>
           </a:p>
           <a:p>
             <a:pPr marL="457200" lvl="1" indent="457200" algn="l"/>
@@ -6704,11 +6302,6 @@
               </a:rPr>
               <a:t>内容：</a:t>
             </a:r>
-            <a:endParaRPr lang="zh-CN" altLang="en-US">
-              <a:latin typeface="Source Han Serif SC" panose="02020400000000000000" charset="-122"/>
-              <a:ea typeface="Source Han Serif SC" panose="02020400000000000000" charset="-122"/>
-              <a:cs typeface="Source Han Serif SC" panose="02020400000000000000" charset="-122"/>
-            </a:endParaRPr>
           </a:p>
           <a:p>
             <a:pPr marL="914400" lvl="2" indent="457200" algn="l"/>
@@ -6752,11 +6345,6 @@
               </a:rPr>
               <a:t>（后续给出模版）</a:t>
             </a:r>
-            <a:endParaRPr lang="zh-CN" altLang="en-US">
-              <a:latin typeface="Source Han Serif SC" panose="02020400000000000000" charset="-122"/>
-              <a:ea typeface="Source Han Serif SC" panose="02020400000000000000" charset="-122"/>
-              <a:cs typeface="Source Han Serif SC" panose="02020400000000000000" charset="-122"/>
-            </a:endParaRPr>
           </a:p>
           <a:p>
             <a:pPr marL="914400" lvl="2" indent="457200" algn="l"/>
@@ -6782,21 +6370,8 @@
                 <a:ea typeface="Source Han Serif SC" panose="02020400000000000000" charset="-122"/>
                 <a:cs typeface="Source Han Serif SC" panose="02020400000000000000" charset="-122"/>
               </a:rPr>
-              <a:t>代码仓库</a:t>
-            </a:r>
-            <a:r>
-              <a:rPr lang="zh-CN" altLang="en-US">
-                <a:latin typeface="Source Han Serif SC" panose="02020400000000000000" charset="-122"/>
-                <a:ea typeface="Source Han Serif SC" panose="02020400000000000000" charset="-122"/>
-                <a:cs typeface="Source Han Serif SC" panose="02020400000000000000" charset="-122"/>
-              </a:rPr>
-              <a:t>链接</a:t>
-            </a:r>
-            <a:endParaRPr lang="zh-CN" altLang="en-US">
-              <a:latin typeface="Source Han Serif SC" panose="02020400000000000000" charset="-122"/>
-              <a:ea typeface="Source Han Serif SC" panose="02020400000000000000" charset="-122"/>
-              <a:cs typeface="Source Han Serif SC" panose="02020400000000000000" charset="-122"/>
-            </a:endParaRPr>
+              <a:t>代码仓库链接</a:t>
+            </a:r>
           </a:p>
           <a:p>
             <a:pPr marL="914400" lvl="2" indent="457200" algn="l"/>
@@ -6822,21 +6397,8 @@
                 <a:ea typeface="Source Han Serif SC" panose="02020400000000000000" charset="-122"/>
                 <a:cs typeface="Source Han Serif SC" panose="02020400000000000000" charset="-122"/>
               </a:rPr>
-              <a:t>小组分工明细</a:t>
-            </a:r>
-            <a:r>
-              <a:rPr lang="zh-CN" altLang="en-US">
-                <a:latin typeface="Source Han Serif SC" panose="02020400000000000000" charset="-122"/>
-                <a:ea typeface="Source Han Serif SC" panose="02020400000000000000" charset="-122"/>
-                <a:cs typeface="Source Han Serif SC" panose="02020400000000000000" charset="-122"/>
-              </a:rPr>
-              <a:t>表</a:t>
-            </a:r>
-            <a:endParaRPr lang="zh-CN" altLang="en-US">
-              <a:latin typeface="Source Han Serif SC" panose="02020400000000000000" charset="-122"/>
-              <a:ea typeface="Source Han Serif SC" panose="02020400000000000000" charset="-122"/>
-              <a:cs typeface="Source Han Serif SC" panose="02020400000000000000" charset="-122"/>
-            </a:endParaRPr>
+              <a:t>小组分工明细表</a:t>
+            </a:r>
           </a:p>
         </p:txBody>
       </p:sp>
@@ -6849,8 +6411,8 @@
 </file>
 
 <file path=ppt/tags/tag1.xml><?xml version="1.0" encoding="utf-8"?>
-<p:tagLst xmlns:p="http://schemas.openxmlformats.org/presentationml/2006/main">
-  <p:tag name="commondata" val="eyJoZGlkIjoiYWNmYzUzNjEzZGI4ODQ3YzEyYWM5YjRjZGY0ZTZmZWIifQ=="/>
+<p:tagLst xmlns:a="http://schemas.openxmlformats.org/drawingml/2006/main" xmlns:r="http://schemas.openxmlformats.org/officeDocument/2006/relationships" xmlns:p="http://schemas.openxmlformats.org/presentationml/2006/main">
+  <p:tag name="COMMONDATA" val="eyJoZGlkIjoiYWNmYzUzNjEzZGI4ODQ3YzEyYWM5YjRjZGY0ZTZmZWIifQ=="/>
 </p:tagLst>
 </file>
 
@@ -7105,6 +6667,8 @@
       </a:bgFillStyleLst>
     </a:fmtScheme>
   </a:themeElements>
+  <a:objectDefaults/>
+  <a:extraClrSchemeLst/>
   <a:extLst>
     <a:ext uri="{05A4C25C-085E-4340-85A3-A5531E510DB2}">
       <thm15:themeFamily xmlns:thm15="http://schemas.microsoft.com/office/thememl/2012/main" name="Office Theme" id="{62F939B6-93AF-4DB8-9C6B-D6C7DFDC589F}" vid="{4A3C46E8-61CC-4603-A589-7422A47A8E4A}"/>
@@ -7364,6 +6928,8 @@
       </a:bgFillStyleLst>
     </a:fmtScheme>
   </a:themeElements>
+  <a:objectDefaults/>
+  <a:extraClrSchemeLst/>
   <a:extLst>
     <a:ext uri="{05A4C25C-085E-4340-85A3-A5531E510DB2}">
       <thm15:themeFamily xmlns:thm15="http://schemas.microsoft.com/office/thememl/2012/main" name="Office Theme" id="{62F939B6-93AF-4DB8-9C6B-D6C7DFDC589F}" vid="{4A3C46E8-61CC-4603-A589-7422A47A8E4A}"/>
@@ -7623,6 +7189,8 @@
       </a:bgFillStyleLst>
     </a:fmtScheme>
   </a:themeElements>
+  <a:objectDefaults/>
+  <a:extraClrSchemeLst/>
   <a:extLst>
     <a:ext uri="{05A4C25C-085E-4340-85A3-A5531E510DB2}">
       <thm15:themeFamily xmlns:thm15="http://schemas.microsoft.com/office/thememl/2012/main" name="Office Theme" id="{62F939B6-93AF-4DB8-9C6B-D6C7DFDC589F}" vid="{4A3C46E8-61CC-4603-A589-7422A47A8E4A}"/>
